--- a/Лекция 16.pptx
+++ b/Лекция 16.pptx
@@ -5,7 +5,7 @@
     <p:sldMasterId id="2147483648" r:id="rId1"/>
   </p:sldMasterIdLst>
   <p:notesMasterIdLst>
-    <p:notesMasterId r:id="rId30"/>
+    <p:notesMasterId r:id="rId31"/>
   </p:notesMasterIdLst>
   <p:sldIdLst>
     <p:sldId id="256" r:id="rId2"/>
@@ -22,20 +22,21 @@
     <p:sldId id="270" r:id="rId13"/>
     <p:sldId id="263" r:id="rId14"/>
     <p:sldId id="277" r:id="rId15"/>
-    <p:sldId id="279" r:id="rId16"/>
-    <p:sldId id="264" r:id="rId17"/>
-    <p:sldId id="278" r:id="rId18"/>
-    <p:sldId id="280" r:id="rId19"/>
-    <p:sldId id="281" r:id="rId20"/>
-    <p:sldId id="275" r:id="rId21"/>
-    <p:sldId id="265" r:id="rId22"/>
-    <p:sldId id="282" r:id="rId23"/>
-    <p:sldId id="283" r:id="rId24"/>
-    <p:sldId id="276" r:id="rId25"/>
-    <p:sldId id="266" r:id="rId26"/>
-    <p:sldId id="284" r:id="rId27"/>
-    <p:sldId id="285" r:id="rId28"/>
-    <p:sldId id="260" r:id="rId29"/>
+    <p:sldId id="286" r:id="rId16"/>
+    <p:sldId id="279" r:id="rId17"/>
+    <p:sldId id="264" r:id="rId18"/>
+    <p:sldId id="278" r:id="rId19"/>
+    <p:sldId id="280" r:id="rId20"/>
+    <p:sldId id="281" r:id="rId21"/>
+    <p:sldId id="275" r:id="rId22"/>
+    <p:sldId id="265" r:id="rId23"/>
+    <p:sldId id="282" r:id="rId24"/>
+    <p:sldId id="283" r:id="rId25"/>
+    <p:sldId id="276" r:id="rId26"/>
+    <p:sldId id="266" r:id="rId27"/>
+    <p:sldId id="284" r:id="rId28"/>
+    <p:sldId id="285" r:id="rId29"/>
+    <p:sldId id="260" r:id="rId30"/>
   </p:sldIdLst>
   <p:sldSz cx="12192000" cy="6858000"/>
   <p:notesSz cx="6858000" cy="9144000"/>
@@ -1993,6 +1994,925 @@
 </file>
 
 <file path=ppt/diagrams/colors3.xml><?xml version="1.0" encoding="utf-8"?>
+<dgm:colorsDef xmlns:dgm="http://schemas.openxmlformats.org/drawingml/2006/diagram" xmlns:a="http://schemas.openxmlformats.org/drawingml/2006/main" uniqueId="urn:microsoft.com/office/officeart/2005/8/colors/colorful1">
+  <dgm:title val=""/>
+  <dgm:desc val=""/>
+  <dgm:catLst>
+    <dgm:cat type="colorful" pri="10100"/>
+  </dgm:catLst>
+  <dgm:styleLbl name="node0">
+    <dgm:fillClrLst meth="repeat">
+      <a:schemeClr val="accent1"/>
+    </dgm:fillClrLst>
+    <dgm:linClrLst meth="repeat">
+      <a:schemeClr val="lt1"/>
+    </dgm:linClrLst>
+    <dgm:effectClrLst/>
+    <dgm:txLinClrLst/>
+    <dgm:txFillClrLst/>
+    <dgm:txEffectClrLst/>
+  </dgm:styleLbl>
+  <dgm:styleLbl name="node1">
+    <dgm:fillClrLst meth="repeat">
+      <a:schemeClr val="accent2"/>
+      <a:schemeClr val="accent3"/>
+      <a:schemeClr val="accent4"/>
+      <a:schemeClr val="accent5"/>
+      <a:schemeClr val="accent6"/>
+    </dgm:fillClrLst>
+    <dgm:linClrLst meth="repeat">
+      <a:schemeClr val="lt1"/>
+    </dgm:linClrLst>
+    <dgm:effectClrLst/>
+    <dgm:txLinClrLst/>
+    <dgm:txFillClrLst/>
+    <dgm:txEffectClrLst/>
+  </dgm:styleLbl>
+  <dgm:styleLbl name="alignNode1">
+    <dgm:fillClrLst meth="repeat">
+      <a:schemeClr val="accent2"/>
+      <a:schemeClr val="accent3"/>
+      <a:schemeClr val="accent4"/>
+      <a:schemeClr val="accent5"/>
+      <a:schemeClr val="accent6"/>
+    </dgm:fillClrLst>
+    <dgm:linClrLst meth="repeat">
+      <a:schemeClr val="accent2"/>
+      <a:schemeClr val="accent3"/>
+      <a:schemeClr val="accent4"/>
+      <a:schemeClr val="accent5"/>
+      <a:schemeClr val="accent6"/>
+    </dgm:linClrLst>
+    <dgm:effectClrLst/>
+    <dgm:txLinClrLst/>
+    <dgm:txFillClrLst/>
+    <dgm:txEffectClrLst/>
+  </dgm:styleLbl>
+  <dgm:styleLbl name="lnNode1">
+    <dgm:fillClrLst meth="repeat">
+      <a:schemeClr val="accent2"/>
+      <a:schemeClr val="accent3"/>
+      <a:schemeClr val="accent4"/>
+      <a:schemeClr val="accent5"/>
+      <a:schemeClr val="accent6"/>
+    </dgm:fillClrLst>
+    <dgm:linClrLst meth="repeat">
+      <a:schemeClr val="lt1"/>
+    </dgm:linClrLst>
+    <dgm:effectClrLst/>
+    <dgm:txLinClrLst/>
+    <dgm:txFillClrLst/>
+    <dgm:txEffectClrLst/>
+  </dgm:styleLbl>
+  <dgm:styleLbl name="vennNode1">
+    <dgm:fillClrLst meth="repeat">
+      <a:schemeClr val="accent2">
+        <a:alpha val="50000"/>
+      </a:schemeClr>
+      <a:schemeClr val="accent3">
+        <a:alpha val="50000"/>
+      </a:schemeClr>
+      <a:schemeClr val="accent4">
+        <a:alpha val="50000"/>
+      </a:schemeClr>
+      <a:schemeClr val="accent5">
+        <a:alpha val="50000"/>
+      </a:schemeClr>
+      <a:schemeClr val="accent6">
+        <a:alpha val="50000"/>
+      </a:schemeClr>
+    </dgm:fillClrLst>
+    <dgm:linClrLst meth="repeat">
+      <a:schemeClr val="lt1"/>
+    </dgm:linClrLst>
+    <dgm:effectClrLst/>
+    <dgm:txLinClrLst/>
+    <dgm:txFillClrLst/>
+    <dgm:txEffectClrLst/>
+  </dgm:styleLbl>
+  <dgm:styleLbl name="node2">
+    <dgm:fillClrLst>
+      <a:schemeClr val="accent2"/>
+    </dgm:fillClrLst>
+    <dgm:linClrLst meth="repeat">
+      <a:schemeClr val="lt1"/>
+    </dgm:linClrLst>
+    <dgm:effectClrLst/>
+    <dgm:txLinClrLst/>
+    <dgm:txFillClrLst/>
+    <dgm:txEffectClrLst/>
+  </dgm:styleLbl>
+  <dgm:styleLbl name="node3">
+    <dgm:fillClrLst>
+      <a:schemeClr val="accent3"/>
+    </dgm:fillClrLst>
+    <dgm:linClrLst meth="repeat">
+      <a:schemeClr val="lt1"/>
+    </dgm:linClrLst>
+    <dgm:effectClrLst/>
+    <dgm:txLinClrLst/>
+    <dgm:txFillClrLst/>
+    <dgm:txEffectClrLst/>
+  </dgm:styleLbl>
+  <dgm:styleLbl name="node4">
+    <dgm:fillClrLst>
+      <a:schemeClr val="accent4"/>
+    </dgm:fillClrLst>
+    <dgm:linClrLst meth="repeat">
+      <a:schemeClr val="lt1"/>
+    </dgm:linClrLst>
+    <dgm:effectClrLst/>
+    <dgm:txLinClrLst/>
+    <dgm:txFillClrLst/>
+    <dgm:txEffectClrLst/>
+  </dgm:styleLbl>
+  <dgm:styleLbl name="fgImgPlace1">
+    <dgm:fillClrLst meth="repeat">
+      <a:schemeClr val="accent2">
+        <a:tint val="50000"/>
+      </a:schemeClr>
+      <a:schemeClr val="accent3">
+        <a:tint val="50000"/>
+      </a:schemeClr>
+      <a:schemeClr val="accent4">
+        <a:tint val="50000"/>
+      </a:schemeClr>
+      <a:schemeClr val="accent5">
+        <a:tint val="50000"/>
+      </a:schemeClr>
+      <a:schemeClr val="accent6">
+        <a:tint val="50000"/>
+      </a:schemeClr>
+    </dgm:fillClrLst>
+    <dgm:linClrLst meth="repeat">
+      <a:schemeClr val="lt1"/>
+    </dgm:linClrLst>
+    <dgm:effectClrLst/>
+    <dgm:txLinClrLst/>
+    <dgm:txFillClrLst meth="repeat">
+      <a:schemeClr val="lt1"/>
+    </dgm:txFillClrLst>
+    <dgm:txEffectClrLst/>
+  </dgm:styleLbl>
+  <dgm:styleLbl name="alignImgPlace1">
+    <dgm:fillClrLst>
+      <a:schemeClr val="accent1">
+        <a:tint val="50000"/>
+      </a:schemeClr>
+      <a:schemeClr val="accent2">
+        <a:tint val="20000"/>
+      </a:schemeClr>
+    </dgm:fillClrLst>
+    <dgm:linClrLst meth="repeat">
+      <a:schemeClr val="lt1"/>
+    </dgm:linClrLst>
+    <dgm:effectClrLst/>
+    <dgm:txLinClrLst/>
+    <dgm:txFillClrLst meth="repeat">
+      <a:schemeClr val="lt1"/>
+    </dgm:txFillClrLst>
+    <dgm:txEffectClrLst/>
+  </dgm:styleLbl>
+  <dgm:styleLbl name="bgImgPlace1">
+    <dgm:fillClrLst>
+      <a:schemeClr val="accent1">
+        <a:tint val="50000"/>
+      </a:schemeClr>
+      <a:schemeClr val="accent2">
+        <a:tint val="20000"/>
+      </a:schemeClr>
+    </dgm:fillClrLst>
+    <dgm:linClrLst meth="repeat">
+      <a:schemeClr val="lt1"/>
+    </dgm:linClrLst>
+    <dgm:effectClrLst/>
+    <dgm:txLinClrLst/>
+    <dgm:txFillClrLst meth="repeat">
+      <a:schemeClr val="lt1"/>
+    </dgm:txFillClrLst>
+    <dgm:txEffectClrLst/>
+  </dgm:styleLbl>
+  <dgm:styleLbl name="sibTrans2D1">
+    <dgm:fillClrLst meth="repeat">
+      <a:schemeClr val="accent2"/>
+      <a:schemeClr val="accent3"/>
+      <a:schemeClr val="accent4"/>
+      <a:schemeClr val="accent5"/>
+      <a:schemeClr val="accent6"/>
+    </dgm:fillClrLst>
+    <dgm:linClrLst meth="cycle">
+      <a:schemeClr val="lt1"/>
+    </dgm:linClrLst>
+    <dgm:effectClrLst/>
+    <dgm:txLinClrLst/>
+    <dgm:txFillClrLst/>
+    <dgm:txEffectClrLst/>
+  </dgm:styleLbl>
+  <dgm:styleLbl name="fgSibTrans2D1">
+    <dgm:fillClrLst meth="repeat">
+      <a:schemeClr val="accent2"/>
+      <a:schemeClr val="accent3"/>
+      <a:schemeClr val="accent4"/>
+      <a:schemeClr val="accent5"/>
+      <a:schemeClr val="accent6"/>
+    </dgm:fillClrLst>
+    <dgm:linClrLst meth="cycle">
+      <a:schemeClr val="lt1"/>
+    </dgm:linClrLst>
+    <dgm:effectClrLst/>
+    <dgm:txLinClrLst/>
+    <dgm:txFillClrLst meth="repeat">
+      <a:schemeClr val="lt1"/>
+    </dgm:txFillClrLst>
+    <dgm:txEffectClrLst/>
+  </dgm:styleLbl>
+  <dgm:styleLbl name="bgSibTrans2D1">
+    <dgm:fillClrLst meth="repeat">
+      <a:schemeClr val="accent2"/>
+      <a:schemeClr val="accent3"/>
+      <a:schemeClr val="accent4"/>
+      <a:schemeClr val="accent5"/>
+      <a:schemeClr val="accent6"/>
+    </dgm:fillClrLst>
+    <dgm:linClrLst meth="cycle">
+      <a:schemeClr val="lt1"/>
+    </dgm:linClrLst>
+    <dgm:effectClrLst/>
+    <dgm:txLinClrLst/>
+    <dgm:txFillClrLst meth="repeat">
+      <a:schemeClr val="lt1"/>
+    </dgm:txFillClrLst>
+    <dgm:txEffectClrLst/>
+  </dgm:styleLbl>
+  <dgm:styleLbl name="sibTrans1D1">
+    <dgm:fillClrLst meth="repeat">
+      <a:schemeClr val="accent2"/>
+      <a:schemeClr val="accent3"/>
+      <a:schemeClr val="accent4"/>
+      <a:schemeClr val="accent5"/>
+      <a:schemeClr val="accent6"/>
+    </dgm:fillClrLst>
+    <dgm:linClrLst meth="repeat">
+      <a:schemeClr val="accent2"/>
+      <a:schemeClr val="accent3"/>
+      <a:schemeClr val="accent4"/>
+      <a:schemeClr val="accent5"/>
+      <a:schemeClr val="accent6"/>
+    </dgm:linClrLst>
+    <dgm:effectClrLst/>
+    <dgm:txLinClrLst/>
+    <dgm:txFillClrLst meth="repeat">
+      <a:schemeClr val="tx1"/>
+    </dgm:txFillClrLst>
+    <dgm:txEffectClrLst/>
+  </dgm:styleLbl>
+  <dgm:styleLbl name="callout">
+    <dgm:fillClrLst meth="repeat">
+      <a:schemeClr val="accent2"/>
+    </dgm:fillClrLst>
+    <dgm:linClrLst meth="repeat">
+      <a:schemeClr val="accent2">
+        <a:tint val="50000"/>
+      </a:schemeClr>
+    </dgm:linClrLst>
+    <dgm:effectClrLst/>
+    <dgm:txLinClrLst/>
+    <dgm:txFillClrLst meth="repeat">
+      <a:schemeClr val="tx1"/>
+    </dgm:txFillClrLst>
+    <dgm:txEffectClrLst/>
+  </dgm:styleLbl>
+  <dgm:styleLbl name="asst0">
+    <dgm:fillClrLst meth="repeat">
+      <a:schemeClr val="accent1"/>
+    </dgm:fillClrLst>
+    <dgm:linClrLst meth="repeat">
+      <a:schemeClr val="lt1"/>
+    </dgm:linClrLst>
+    <dgm:effectClrLst/>
+    <dgm:txLinClrLst/>
+    <dgm:txFillClrLst/>
+    <dgm:txEffectClrLst/>
+  </dgm:styleLbl>
+  <dgm:styleLbl name="asst1">
+    <dgm:fillClrLst meth="repeat">
+      <a:schemeClr val="accent2"/>
+    </dgm:fillClrLst>
+    <dgm:linClrLst meth="repeat">
+      <a:schemeClr val="lt1"/>
+    </dgm:linClrLst>
+    <dgm:effectClrLst/>
+    <dgm:txLinClrLst/>
+    <dgm:txFillClrLst/>
+    <dgm:txEffectClrLst/>
+  </dgm:styleLbl>
+  <dgm:styleLbl name="asst2">
+    <dgm:fillClrLst>
+      <a:schemeClr val="accent3"/>
+    </dgm:fillClrLst>
+    <dgm:linClrLst meth="repeat">
+      <a:schemeClr val="lt1"/>
+    </dgm:linClrLst>
+    <dgm:effectClrLst/>
+    <dgm:txLinClrLst/>
+    <dgm:txFillClrLst/>
+    <dgm:txEffectClrLst/>
+  </dgm:styleLbl>
+  <dgm:styleLbl name="asst3">
+    <dgm:fillClrLst>
+      <a:schemeClr val="accent4"/>
+    </dgm:fillClrLst>
+    <dgm:linClrLst meth="repeat">
+      <a:schemeClr val="lt1"/>
+    </dgm:linClrLst>
+    <dgm:effectClrLst/>
+    <dgm:txLinClrLst/>
+    <dgm:txFillClrLst/>
+    <dgm:txEffectClrLst/>
+  </dgm:styleLbl>
+  <dgm:styleLbl name="asst4">
+    <dgm:fillClrLst>
+      <a:schemeClr val="accent5"/>
+    </dgm:fillClrLst>
+    <dgm:linClrLst meth="repeat">
+      <a:schemeClr val="lt1"/>
+    </dgm:linClrLst>
+    <dgm:effectClrLst/>
+    <dgm:txLinClrLst/>
+    <dgm:txFillClrLst/>
+    <dgm:txEffectClrLst/>
+  </dgm:styleLbl>
+  <dgm:styleLbl name="parChTrans2D1">
+    <dgm:fillClrLst meth="repeat">
+      <a:schemeClr val="accent2"/>
+    </dgm:fillClrLst>
+    <dgm:linClrLst meth="repeat">
+      <a:schemeClr val="lt1"/>
+    </dgm:linClrLst>
+    <dgm:effectClrLst/>
+    <dgm:txLinClrLst/>
+    <dgm:txFillClrLst meth="repeat">
+      <a:schemeClr val="lt1"/>
+    </dgm:txFillClrLst>
+    <dgm:txEffectClrLst/>
+  </dgm:styleLbl>
+  <dgm:styleLbl name="parChTrans2D2">
+    <dgm:fillClrLst meth="repeat">
+      <a:schemeClr val="accent3"/>
+    </dgm:fillClrLst>
+    <dgm:linClrLst meth="repeat">
+      <a:schemeClr val="lt1"/>
+    </dgm:linClrLst>
+    <dgm:effectClrLst/>
+    <dgm:txLinClrLst/>
+    <dgm:txFillClrLst/>
+    <dgm:txEffectClrLst/>
+  </dgm:styleLbl>
+  <dgm:styleLbl name="parChTrans2D3">
+    <dgm:fillClrLst meth="repeat">
+      <a:schemeClr val="accent4"/>
+    </dgm:fillClrLst>
+    <dgm:linClrLst meth="repeat">
+      <a:schemeClr val="lt1"/>
+    </dgm:linClrLst>
+    <dgm:effectClrLst/>
+    <dgm:txLinClrLst/>
+    <dgm:txFillClrLst/>
+    <dgm:txEffectClrLst/>
+  </dgm:styleLbl>
+  <dgm:styleLbl name="parChTrans2D4">
+    <dgm:fillClrLst meth="repeat">
+      <a:schemeClr val="accent5"/>
+    </dgm:fillClrLst>
+    <dgm:linClrLst meth="repeat">
+      <a:schemeClr val="lt1"/>
+    </dgm:linClrLst>
+    <dgm:effectClrLst/>
+    <dgm:txLinClrLst/>
+    <dgm:txFillClrLst meth="repeat">
+      <a:schemeClr val="lt1"/>
+    </dgm:txFillClrLst>
+    <dgm:txEffectClrLst/>
+  </dgm:styleLbl>
+  <dgm:styleLbl name="parChTrans1D1">
+    <dgm:fillClrLst meth="repeat">
+      <a:schemeClr val="accent2"/>
+    </dgm:fillClrLst>
+    <dgm:linClrLst meth="repeat">
+      <a:schemeClr val="accent1"/>
+    </dgm:linClrLst>
+    <dgm:effectClrLst/>
+    <dgm:txLinClrLst/>
+    <dgm:txFillClrLst meth="repeat">
+      <a:schemeClr val="tx1"/>
+    </dgm:txFillClrLst>
+    <dgm:txEffectClrLst/>
+  </dgm:styleLbl>
+  <dgm:styleLbl name="parChTrans1D2">
+    <dgm:fillClrLst meth="repeat">
+      <a:schemeClr val="accent3">
+        <a:tint val="90000"/>
+      </a:schemeClr>
+    </dgm:fillClrLst>
+    <dgm:linClrLst meth="repeat">
+      <a:schemeClr val="accent2"/>
+    </dgm:linClrLst>
+    <dgm:effectClrLst/>
+    <dgm:txLinClrLst/>
+    <dgm:txFillClrLst meth="repeat">
+      <a:schemeClr val="tx1"/>
+    </dgm:txFillClrLst>
+    <dgm:txEffectClrLst/>
+  </dgm:styleLbl>
+  <dgm:styleLbl name="parChTrans1D3">
+    <dgm:fillClrLst meth="repeat">
+      <a:schemeClr val="accent4">
+        <a:tint val="70000"/>
+      </a:schemeClr>
+    </dgm:fillClrLst>
+    <dgm:linClrLst meth="repeat">
+      <a:schemeClr val="accent3"/>
+    </dgm:linClrLst>
+    <dgm:effectClrLst/>
+    <dgm:txLinClrLst/>
+    <dgm:txFillClrLst meth="repeat">
+      <a:schemeClr val="tx1"/>
+    </dgm:txFillClrLst>
+    <dgm:txEffectClrLst/>
+  </dgm:styleLbl>
+  <dgm:styleLbl name="parChTrans1D4">
+    <dgm:fillClrLst meth="repeat">
+      <a:schemeClr val="accent5">
+        <a:tint val="50000"/>
+      </a:schemeClr>
+    </dgm:fillClrLst>
+    <dgm:linClrLst meth="repeat">
+      <a:schemeClr val="accent4"/>
+    </dgm:linClrLst>
+    <dgm:effectClrLst/>
+    <dgm:txLinClrLst/>
+    <dgm:txFillClrLst meth="repeat">
+      <a:schemeClr val="tx1"/>
+    </dgm:txFillClrLst>
+    <dgm:txEffectClrLst/>
+  </dgm:styleLbl>
+  <dgm:styleLbl name="fgAcc1">
+    <dgm:fillClrLst meth="repeat">
+      <a:schemeClr val="lt1">
+        <a:alpha val="90000"/>
+      </a:schemeClr>
+    </dgm:fillClrLst>
+    <dgm:linClrLst meth="repeat">
+      <a:schemeClr val="accent2"/>
+      <a:schemeClr val="accent3"/>
+      <a:schemeClr val="accent4"/>
+      <a:schemeClr val="accent5"/>
+      <a:schemeClr val="accent6"/>
+    </dgm:linClrLst>
+    <dgm:effectClrLst/>
+    <dgm:txLinClrLst/>
+    <dgm:txFillClrLst meth="repeat">
+      <a:schemeClr val="dk1"/>
+    </dgm:txFillClrLst>
+    <dgm:txEffectClrLst/>
+  </dgm:styleLbl>
+  <dgm:styleLbl name="conFgAcc1">
+    <dgm:fillClrLst meth="repeat">
+      <a:schemeClr val="lt1">
+        <a:alpha val="90000"/>
+      </a:schemeClr>
+    </dgm:fillClrLst>
+    <dgm:linClrLst meth="repeat">
+      <a:schemeClr val="accent2"/>
+      <a:schemeClr val="accent3"/>
+      <a:schemeClr val="accent4"/>
+      <a:schemeClr val="accent5"/>
+      <a:schemeClr val="accent6"/>
+    </dgm:linClrLst>
+    <dgm:effectClrLst/>
+    <dgm:txLinClrLst/>
+    <dgm:txFillClrLst meth="repeat">
+      <a:schemeClr val="dk1"/>
+    </dgm:txFillClrLst>
+    <dgm:txEffectClrLst/>
+  </dgm:styleLbl>
+  <dgm:styleLbl name="alignAcc1">
+    <dgm:fillClrLst meth="repeat">
+      <a:schemeClr val="lt1">
+        <a:alpha val="90000"/>
+      </a:schemeClr>
+    </dgm:fillClrLst>
+    <dgm:linClrLst meth="repeat">
+      <a:schemeClr val="accent2"/>
+      <a:schemeClr val="accent3"/>
+      <a:schemeClr val="accent4"/>
+      <a:schemeClr val="accent5"/>
+      <a:schemeClr val="accent6"/>
+    </dgm:linClrLst>
+    <dgm:effectClrLst/>
+    <dgm:txLinClrLst/>
+    <dgm:txFillClrLst meth="repeat">
+      <a:schemeClr val="dk1"/>
+    </dgm:txFillClrLst>
+    <dgm:txEffectClrLst/>
+  </dgm:styleLbl>
+  <dgm:styleLbl name="trAlignAcc1">
+    <dgm:fillClrLst meth="repeat">
+      <a:schemeClr val="lt1">
+        <a:alpha val="40000"/>
+      </a:schemeClr>
+    </dgm:fillClrLst>
+    <dgm:linClrLst meth="repeat">
+      <a:schemeClr val="accent1"/>
+    </dgm:linClrLst>
+    <dgm:effectClrLst/>
+    <dgm:txLinClrLst/>
+    <dgm:txFillClrLst meth="repeat">
+      <a:schemeClr val="dk1"/>
+    </dgm:txFillClrLst>
+    <dgm:txEffectClrLst/>
+  </dgm:styleLbl>
+  <dgm:styleLbl name="bgAcc1">
+    <dgm:fillClrLst meth="repeat">
+      <a:schemeClr val="lt1">
+        <a:alpha val="90000"/>
+      </a:schemeClr>
+    </dgm:fillClrLst>
+    <dgm:linClrLst meth="repeat">
+      <a:schemeClr val="accent2"/>
+      <a:schemeClr val="accent3"/>
+      <a:schemeClr val="accent4"/>
+      <a:schemeClr val="accent5"/>
+      <a:schemeClr val="accent6"/>
+    </dgm:linClrLst>
+    <dgm:effectClrLst/>
+    <dgm:txLinClrLst/>
+    <dgm:txFillClrLst meth="repeat">
+      <a:schemeClr val="dk1"/>
+    </dgm:txFillClrLst>
+    <dgm:txEffectClrLst/>
+  </dgm:styleLbl>
+  <dgm:styleLbl name="solidFgAcc1">
+    <dgm:fillClrLst meth="repeat">
+      <a:schemeClr val="lt1"/>
+    </dgm:fillClrLst>
+    <dgm:linClrLst meth="repeat">
+      <a:schemeClr val="accent2"/>
+      <a:schemeClr val="accent3"/>
+      <a:schemeClr val="accent4"/>
+      <a:schemeClr val="accent5"/>
+      <a:schemeClr val="accent6"/>
+    </dgm:linClrLst>
+    <dgm:effectClrLst/>
+    <dgm:txLinClrLst/>
+    <dgm:txFillClrLst meth="repeat">
+      <a:schemeClr val="dk1"/>
+    </dgm:txFillClrLst>
+    <dgm:txEffectClrLst/>
+  </dgm:styleLbl>
+  <dgm:styleLbl name="solidAlignAcc1">
+    <dgm:fillClrLst meth="repeat">
+      <a:schemeClr val="lt1"/>
+    </dgm:fillClrLst>
+    <dgm:linClrLst meth="repeat">
+      <a:schemeClr val="accent2"/>
+      <a:schemeClr val="accent3"/>
+      <a:schemeClr val="accent4"/>
+      <a:schemeClr val="accent5"/>
+      <a:schemeClr val="accent6"/>
+    </dgm:linClrLst>
+    <dgm:effectClrLst/>
+    <dgm:txLinClrLst/>
+    <dgm:txFillClrLst meth="repeat">
+      <a:schemeClr val="dk1"/>
+    </dgm:txFillClrLst>
+    <dgm:txEffectClrLst/>
+  </dgm:styleLbl>
+  <dgm:styleLbl name="solidBgAcc1">
+    <dgm:fillClrLst meth="repeat">
+      <a:schemeClr val="lt1"/>
+    </dgm:fillClrLst>
+    <dgm:linClrLst meth="repeat">
+      <a:schemeClr val="accent2"/>
+      <a:schemeClr val="accent3"/>
+      <a:schemeClr val="accent4"/>
+      <a:schemeClr val="accent5"/>
+      <a:schemeClr val="accent6"/>
+    </dgm:linClrLst>
+    <dgm:effectClrLst/>
+    <dgm:txLinClrLst/>
+    <dgm:txFillClrLst meth="repeat">
+      <a:schemeClr val="dk1"/>
+    </dgm:txFillClrLst>
+    <dgm:txEffectClrLst/>
+  </dgm:styleLbl>
+  <dgm:styleLbl name="fgAccFollowNode1">
+    <dgm:fillClrLst meth="repeat">
+      <a:schemeClr val="accent2">
+        <a:tint val="40000"/>
+        <a:alpha val="90000"/>
+      </a:schemeClr>
+      <a:schemeClr val="accent3">
+        <a:tint val="40000"/>
+        <a:alpha val="90000"/>
+      </a:schemeClr>
+      <a:schemeClr val="accent4">
+        <a:tint val="40000"/>
+        <a:alpha val="90000"/>
+      </a:schemeClr>
+      <a:schemeClr val="accent5">
+        <a:tint val="40000"/>
+        <a:alpha val="90000"/>
+      </a:schemeClr>
+      <a:schemeClr val="accent6">
+        <a:tint val="40000"/>
+        <a:alpha val="90000"/>
+      </a:schemeClr>
+    </dgm:fillClrLst>
+    <dgm:linClrLst meth="repeat">
+      <a:schemeClr val="accent2">
+        <a:tint val="40000"/>
+        <a:alpha val="90000"/>
+      </a:schemeClr>
+      <a:schemeClr val="accent3">
+        <a:tint val="40000"/>
+        <a:alpha val="90000"/>
+      </a:schemeClr>
+      <a:schemeClr val="accent4">
+        <a:tint val="40000"/>
+        <a:alpha val="90000"/>
+      </a:schemeClr>
+      <a:schemeClr val="accent5">
+        <a:tint val="40000"/>
+        <a:alpha val="90000"/>
+      </a:schemeClr>
+      <a:schemeClr val="accent6">
+        <a:tint val="40000"/>
+        <a:alpha val="90000"/>
+      </a:schemeClr>
+    </dgm:linClrLst>
+    <dgm:effectClrLst/>
+    <dgm:txLinClrLst/>
+    <dgm:txFillClrLst meth="repeat">
+      <a:schemeClr val="dk1"/>
+    </dgm:txFillClrLst>
+    <dgm:txEffectClrLst/>
+  </dgm:styleLbl>
+  <dgm:styleLbl name="alignAccFollowNode1">
+    <dgm:fillClrLst meth="repeat">
+      <a:schemeClr val="accent2">
+        <a:tint val="40000"/>
+        <a:alpha val="90000"/>
+      </a:schemeClr>
+      <a:schemeClr val="accent3">
+        <a:tint val="40000"/>
+        <a:alpha val="90000"/>
+      </a:schemeClr>
+      <a:schemeClr val="accent4">
+        <a:tint val="40000"/>
+        <a:alpha val="90000"/>
+      </a:schemeClr>
+      <a:schemeClr val="accent5">
+        <a:tint val="40000"/>
+        <a:alpha val="90000"/>
+      </a:schemeClr>
+      <a:schemeClr val="accent6">
+        <a:tint val="40000"/>
+        <a:alpha val="90000"/>
+      </a:schemeClr>
+    </dgm:fillClrLst>
+    <dgm:linClrLst meth="repeat">
+      <a:schemeClr val="accent2">
+        <a:tint val="40000"/>
+        <a:alpha val="90000"/>
+      </a:schemeClr>
+      <a:schemeClr val="accent3">
+        <a:tint val="40000"/>
+        <a:alpha val="90000"/>
+      </a:schemeClr>
+      <a:schemeClr val="accent4">
+        <a:tint val="40000"/>
+        <a:alpha val="90000"/>
+      </a:schemeClr>
+      <a:schemeClr val="accent5">
+        <a:tint val="40000"/>
+        <a:alpha val="90000"/>
+      </a:schemeClr>
+      <a:schemeClr val="accent6">
+        <a:tint val="40000"/>
+        <a:alpha val="90000"/>
+      </a:schemeClr>
+    </dgm:linClrLst>
+    <dgm:effectClrLst/>
+    <dgm:txLinClrLst/>
+    <dgm:txFillClrLst meth="repeat">
+      <a:schemeClr val="dk1"/>
+    </dgm:txFillClrLst>
+    <dgm:txEffectClrLst/>
+  </dgm:styleLbl>
+  <dgm:styleLbl name="bgAccFollowNode1">
+    <dgm:fillClrLst meth="repeat">
+      <a:schemeClr val="accent2">
+        <a:tint val="40000"/>
+        <a:alpha val="90000"/>
+      </a:schemeClr>
+      <a:schemeClr val="accent3">
+        <a:tint val="40000"/>
+        <a:alpha val="90000"/>
+      </a:schemeClr>
+      <a:schemeClr val="accent4">
+        <a:tint val="40000"/>
+        <a:alpha val="90000"/>
+      </a:schemeClr>
+      <a:schemeClr val="accent5">
+        <a:tint val="40000"/>
+        <a:alpha val="90000"/>
+      </a:schemeClr>
+      <a:schemeClr val="accent6">
+        <a:tint val="40000"/>
+        <a:alpha val="90000"/>
+      </a:schemeClr>
+    </dgm:fillClrLst>
+    <dgm:linClrLst meth="repeat">
+      <a:schemeClr val="accent2">
+        <a:tint val="40000"/>
+        <a:alpha val="90000"/>
+      </a:schemeClr>
+      <a:schemeClr val="accent3">
+        <a:tint val="40000"/>
+        <a:alpha val="90000"/>
+      </a:schemeClr>
+      <a:schemeClr val="accent4">
+        <a:tint val="40000"/>
+        <a:alpha val="90000"/>
+      </a:schemeClr>
+      <a:schemeClr val="accent5">
+        <a:tint val="40000"/>
+        <a:alpha val="90000"/>
+      </a:schemeClr>
+      <a:schemeClr val="accent6">
+        <a:tint val="40000"/>
+        <a:alpha val="90000"/>
+      </a:schemeClr>
+    </dgm:linClrLst>
+    <dgm:effectClrLst/>
+    <dgm:txLinClrLst/>
+    <dgm:txFillClrLst meth="repeat">
+      <a:schemeClr val="dk1"/>
+    </dgm:txFillClrLst>
+    <dgm:txEffectClrLst/>
+  </dgm:styleLbl>
+  <dgm:styleLbl name="fgAcc0">
+    <dgm:fillClrLst meth="repeat">
+      <a:schemeClr val="lt1">
+        <a:alpha val="90000"/>
+      </a:schemeClr>
+    </dgm:fillClrLst>
+    <dgm:linClrLst>
+      <a:schemeClr val="accent1"/>
+    </dgm:linClrLst>
+    <dgm:effectClrLst/>
+    <dgm:txLinClrLst/>
+    <dgm:txFillClrLst meth="repeat">
+      <a:schemeClr val="dk1"/>
+    </dgm:txFillClrLst>
+    <dgm:txEffectClrLst/>
+  </dgm:styleLbl>
+  <dgm:styleLbl name="fgAcc2">
+    <dgm:fillClrLst meth="repeat">
+      <a:schemeClr val="lt1">
+        <a:alpha val="90000"/>
+      </a:schemeClr>
+    </dgm:fillClrLst>
+    <dgm:linClrLst>
+      <a:schemeClr val="accent2"/>
+    </dgm:linClrLst>
+    <dgm:effectClrLst/>
+    <dgm:txLinClrLst/>
+    <dgm:txFillClrLst meth="repeat">
+      <a:schemeClr val="dk1"/>
+    </dgm:txFillClrLst>
+    <dgm:txEffectClrLst/>
+  </dgm:styleLbl>
+  <dgm:styleLbl name="fgAcc3">
+    <dgm:fillClrLst meth="repeat">
+      <a:schemeClr val="lt1">
+        <a:alpha val="90000"/>
+      </a:schemeClr>
+    </dgm:fillClrLst>
+    <dgm:linClrLst>
+      <a:schemeClr val="accent3"/>
+    </dgm:linClrLst>
+    <dgm:effectClrLst/>
+    <dgm:txLinClrLst/>
+    <dgm:txFillClrLst meth="repeat">
+      <a:schemeClr val="dk1"/>
+    </dgm:txFillClrLst>
+    <dgm:txEffectClrLst/>
+  </dgm:styleLbl>
+  <dgm:styleLbl name="fgAcc4">
+    <dgm:fillClrLst meth="repeat">
+      <a:schemeClr val="lt1">
+        <a:alpha val="90000"/>
+      </a:schemeClr>
+    </dgm:fillClrLst>
+    <dgm:linClrLst>
+      <a:schemeClr val="accent4"/>
+    </dgm:linClrLst>
+    <dgm:effectClrLst/>
+    <dgm:txLinClrLst/>
+    <dgm:txFillClrLst meth="repeat">
+      <a:schemeClr val="dk1"/>
+    </dgm:txFillClrLst>
+    <dgm:txEffectClrLst/>
+  </dgm:styleLbl>
+  <dgm:styleLbl name="bgShp">
+    <dgm:fillClrLst meth="repeat">
+      <a:schemeClr val="accent2">
+        <a:tint val="40000"/>
+      </a:schemeClr>
+    </dgm:fillClrLst>
+    <dgm:linClrLst meth="repeat">
+      <a:schemeClr val="dk1"/>
+    </dgm:linClrLst>
+    <dgm:effectClrLst/>
+    <dgm:txLinClrLst/>
+    <dgm:txFillClrLst meth="repeat">
+      <a:schemeClr val="dk1"/>
+    </dgm:txFillClrLst>
+    <dgm:txEffectClrLst/>
+  </dgm:styleLbl>
+  <dgm:styleLbl name="dkBgShp">
+    <dgm:fillClrLst meth="repeat">
+      <a:schemeClr val="accent2">
+        <a:shade val="90000"/>
+      </a:schemeClr>
+    </dgm:fillClrLst>
+    <dgm:linClrLst meth="repeat">
+      <a:schemeClr val="dk1"/>
+    </dgm:linClrLst>
+    <dgm:effectClrLst/>
+    <dgm:txLinClrLst/>
+    <dgm:txFillClrLst meth="repeat">
+      <a:schemeClr val="lt1"/>
+    </dgm:txFillClrLst>
+    <dgm:txEffectClrLst/>
+  </dgm:styleLbl>
+  <dgm:styleLbl name="trBgShp">
+    <dgm:fillClrLst meth="repeat">
+      <a:schemeClr val="accent1">
+        <a:tint val="50000"/>
+        <a:alpha val="40000"/>
+      </a:schemeClr>
+    </dgm:fillClrLst>
+    <dgm:linClrLst meth="repeat">
+      <a:schemeClr val="accent2"/>
+    </dgm:linClrLst>
+    <dgm:effectClrLst/>
+    <dgm:txLinClrLst/>
+    <dgm:txFillClrLst meth="repeat">
+      <a:schemeClr val="lt1"/>
+    </dgm:txFillClrLst>
+    <dgm:txEffectClrLst/>
+  </dgm:styleLbl>
+  <dgm:styleLbl name="fgShp">
+    <dgm:fillClrLst meth="repeat">
+      <a:schemeClr val="accent2">
+        <a:tint val="40000"/>
+      </a:schemeClr>
+    </dgm:fillClrLst>
+    <dgm:linClrLst meth="repeat">
+      <a:schemeClr val="lt1"/>
+    </dgm:linClrLst>
+    <dgm:effectClrLst/>
+    <dgm:txLinClrLst/>
+    <dgm:txFillClrLst meth="repeat">
+      <a:schemeClr val="dk1"/>
+    </dgm:txFillClrLst>
+    <dgm:txEffectClrLst/>
+  </dgm:styleLbl>
+  <dgm:styleLbl name="revTx">
+    <dgm:fillClrLst meth="repeat">
+      <a:schemeClr val="lt1">
+        <a:alpha val="0"/>
+      </a:schemeClr>
+    </dgm:fillClrLst>
+    <dgm:linClrLst meth="repeat">
+      <a:schemeClr val="dk1">
+        <a:alpha val="0"/>
+      </a:schemeClr>
+    </dgm:linClrLst>
+    <dgm:effectClrLst/>
+    <dgm:txLinClrLst/>
+    <dgm:txFillClrLst meth="repeat">
+      <a:schemeClr val="tx1"/>
+    </dgm:txFillClrLst>
+    <dgm:txEffectClrLst/>
+  </dgm:styleLbl>
+</dgm:colorsDef>
+</file>
+
+<file path=ppt/diagrams/colors4.xml><?xml version="1.0" encoding="utf-8"?>
 <dgm:colorsDef xmlns:dgm="http://schemas.openxmlformats.org/drawingml/2006/diagram" xmlns:a="http://schemas.openxmlformats.org/drawingml/2006/main" uniqueId="urn:microsoft.com/office/officeart/2005/8/colors/colorful1">
   <dgm:title val=""/>
   <dgm:desc val=""/>
@@ -3446,17 +4366,23 @@
       </dgm:t>
     </dgm:pt>
     <dgm:pt modelId="{ACF4915B-DED3-4DF8-AE14-BF2E1E8F42BD}">
-      <dgm:prSet phldrT="[Текст]"/>
+      <dgm:prSet phldrT="[Текст]" custT="1"/>
       <dgm:spPr/>
       <dgm:t>
         <a:bodyPr/>
         <a:lstStyle/>
         <a:p>
           <a:r>
-            <a:rPr lang="ru-RU" dirty="0" smtClean="0"/>
+            <a:rPr lang="ru-RU" sz="1600" dirty="0" smtClean="0"/>
             <a:t>Извлечение</a:t>
           </a:r>
-          <a:endParaRPr lang="ru-RU" dirty="0"/>
+        </a:p>
+        <a:p>
+          <a:r>
+            <a:rPr lang="ru-RU" sz="1600" dirty="0" smtClean="0"/>
+            <a:t>данных</a:t>
+          </a:r>
+          <a:endParaRPr lang="ru-RU" sz="1600" dirty="0"/>
         </a:p>
       </dgm:t>
     </dgm:pt>
@@ -3483,17 +4409,17 @@
       </dgm:t>
     </dgm:pt>
     <dgm:pt modelId="{4B8DDE04-C35B-4013-AB27-5ECC47457D17}">
-      <dgm:prSet phldrT="[Текст]"/>
+      <dgm:prSet phldrT="[Текст]" custT="1"/>
       <dgm:spPr/>
       <dgm:t>
         <a:bodyPr/>
         <a:lstStyle/>
         <a:p>
           <a:r>
-            <a:rPr lang="ru-RU" dirty="0" smtClean="0"/>
+            <a:rPr lang="ru-RU" sz="1600" dirty="0" smtClean="0"/>
             <a:t>Структурирование</a:t>
           </a:r>
-          <a:endParaRPr lang="ru-RU" dirty="0"/>
+          <a:endParaRPr lang="ru-RU" sz="1600" dirty="0"/>
         </a:p>
       </dgm:t>
     </dgm:pt>
@@ -3557,17 +4483,17 @@
       </dgm:t>
     </dgm:pt>
     <dgm:pt modelId="{73667007-FDBF-461E-9C70-E415ADF7D7CA}">
-      <dgm:prSet phldrT="[Текст]"/>
+      <dgm:prSet phldrT="[Текст]" custT="1"/>
       <dgm:spPr/>
       <dgm:t>
         <a:bodyPr/>
         <a:lstStyle/>
         <a:p>
           <a:r>
-            <a:rPr lang="ru-RU" dirty="0" smtClean="0"/>
+            <a:rPr lang="ru-RU" sz="1600" dirty="0" smtClean="0"/>
             <a:t>Рекомендательная система</a:t>
           </a:r>
-          <a:endParaRPr lang="ru-RU" dirty="0"/>
+          <a:endParaRPr lang="ru-RU" sz="1600" dirty="0"/>
         </a:p>
       </dgm:t>
     </dgm:pt>
@@ -3638,8 +4564,8 @@
         <a:lstStyle/>
         <a:p>
           <a:r>
-            <a:rPr lang="en-US" dirty="0" smtClean="0"/>
-            <a:t>Named Entity Recognition</a:t>
+            <a:rPr lang="ru-RU" dirty="0" smtClean="0"/>
+            <a:t>Выделение именованных сущностей</a:t>
           </a:r>
           <a:endParaRPr lang="ru-RU" dirty="0"/>
         </a:p>
@@ -3917,6 +4843,649 @@
 </file>
 
 <file path=ppt/diagrams/data3.xml><?xml version="1.0" encoding="utf-8"?>
+<dgm:dataModel xmlns:dgm="http://schemas.openxmlformats.org/drawingml/2006/diagram" xmlns:a="http://schemas.openxmlformats.org/drawingml/2006/main">
+  <dgm:ptLst>
+    <dgm:pt modelId="{38C215A7-E4EC-484E-A46A-7BEB8DB22AA1}" type="doc">
+      <dgm:prSet loTypeId="urn:microsoft.com/office/officeart/2005/8/layout/chevron2" loCatId="process" qsTypeId="urn:microsoft.com/office/officeart/2005/8/quickstyle/simple1" qsCatId="simple" csTypeId="urn:microsoft.com/office/officeart/2005/8/colors/colorful1" csCatId="colorful" phldr="1"/>
+      <dgm:spPr/>
+      <dgm:t>
+        <a:bodyPr/>
+        <a:lstStyle/>
+        <a:p>
+          <a:endParaRPr lang="ru-RU"/>
+        </a:p>
+      </dgm:t>
+    </dgm:pt>
+    <dgm:pt modelId="{ACF4915B-DED3-4DF8-AE14-BF2E1E8F42BD}">
+      <dgm:prSet phldrT="[Текст]" custT="1"/>
+      <dgm:spPr/>
+      <dgm:t>
+        <a:bodyPr/>
+        <a:lstStyle/>
+        <a:p>
+          <a:r>
+            <a:rPr lang="ru-RU" sz="1600" dirty="0" smtClean="0"/>
+            <a:t>Работа с </a:t>
+          </a:r>
+        </a:p>
+        <a:p>
+          <a:r>
+            <a:rPr lang="ru-RU" sz="1600" dirty="0" smtClean="0"/>
+            <a:t>данными</a:t>
+          </a:r>
+          <a:endParaRPr lang="ru-RU" sz="1600" dirty="0"/>
+        </a:p>
+      </dgm:t>
+    </dgm:pt>
+    <dgm:pt modelId="{584DEDA3-6FE6-4C47-84A7-EF91BD4376D7}" type="parTrans" cxnId="{22330987-F3AE-4434-B08B-52EC571CE783}">
+      <dgm:prSet/>
+      <dgm:spPr/>
+      <dgm:t>
+        <a:bodyPr/>
+        <a:lstStyle/>
+        <a:p>
+          <a:endParaRPr lang="ru-RU"/>
+        </a:p>
+      </dgm:t>
+    </dgm:pt>
+    <dgm:pt modelId="{7D2BD474-8298-48F1-92AD-18275EAA9876}" type="sibTrans" cxnId="{22330987-F3AE-4434-B08B-52EC571CE783}">
+      <dgm:prSet/>
+      <dgm:spPr/>
+      <dgm:t>
+        <a:bodyPr/>
+        <a:lstStyle/>
+        <a:p>
+          <a:endParaRPr lang="ru-RU"/>
+        </a:p>
+      </dgm:t>
+    </dgm:pt>
+    <dgm:pt modelId="{4B8DDE04-C35B-4013-AB27-5ECC47457D17}">
+      <dgm:prSet phldrT="[Текст]" custT="1"/>
+      <dgm:spPr/>
+      <dgm:t>
+        <a:bodyPr/>
+        <a:lstStyle/>
+        <a:p>
+          <a:r>
+            <a:rPr lang="ru-RU" sz="1600" dirty="0" smtClean="0"/>
+            <a:t>Анализ</a:t>
+          </a:r>
+          <a:endParaRPr lang="ru-RU" sz="1600" dirty="0"/>
+        </a:p>
+      </dgm:t>
+    </dgm:pt>
+    <dgm:pt modelId="{075D9EA1-B641-4F45-871B-0FF447E8DC72}" type="parTrans" cxnId="{E21D9751-68BB-4C07-88C6-B61C41C80038}">
+      <dgm:prSet/>
+      <dgm:spPr/>
+      <dgm:t>
+        <a:bodyPr/>
+        <a:lstStyle/>
+        <a:p>
+          <a:endParaRPr lang="ru-RU"/>
+        </a:p>
+      </dgm:t>
+    </dgm:pt>
+    <dgm:pt modelId="{82FBE515-4E67-472B-AE03-3DC81CEE3AFA}" type="sibTrans" cxnId="{E21D9751-68BB-4C07-88C6-B61C41C80038}">
+      <dgm:prSet/>
+      <dgm:spPr/>
+      <dgm:t>
+        <a:bodyPr/>
+        <a:lstStyle/>
+        <a:p>
+          <a:endParaRPr lang="ru-RU"/>
+        </a:p>
+      </dgm:t>
+    </dgm:pt>
+    <dgm:pt modelId="{F65E8CC0-D980-4859-9022-6EAD4278CF3C}">
+      <dgm:prSet phldrT="[Текст]"/>
+      <dgm:spPr/>
+      <dgm:t>
+        <a:bodyPr/>
+        <a:lstStyle/>
+        <a:p>
+          <a:r>
+            <a:rPr lang="ru-RU" dirty="0" smtClean="0"/>
+            <a:t>Анализ структуры данных (кластеризация)</a:t>
+          </a:r>
+          <a:endParaRPr lang="ru-RU" dirty="0"/>
+        </a:p>
+      </dgm:t>
+    </dgm:pt>
+    <dgm:pt modelId="{6C751E53-3FF8-46F9-85FE-AE2BC6CA70CC}" type="parTrans" cxnId="{8FA261E7-2764-4265-A651-84616CEA170D}">
+      <dgm:prSet/>
+      <dgm:spPr/>
+      <dgm:t>
+        <a:bodyPr/>
+        <a:lstStyle/>
+        <a:p>
+          <a:endParaRPr lang="ru-RU"/>
+        </a:p>
+      </dgm:t>
+    </dgm:pt>
+    <dgm:pt modelId="{2B3C5727-8F1E-4680-BC90-5D1960A1CCCC}" type="sibTrans" cxnId="{8FA261E7-2764-4265-A651-84616CEA170D}">
+      <dgm:prSet/>
+      <dgm:spPr/>
+      <dgm:t>
+        <a:bodyPr/>
+        <a:lstStyle/>
+        <a:p>
+          <a:endParaRPr lang="ru-RU"/>
+        </a:p>
+      </dgm:t>
+    </dgm:pt>
+    <dgm:pt modelId="{73667007-FDBF-461E-9C70-E415ADF7D7CA}">
+      <dgm:prSet phldrT="[Текст]" custT="1"/>
+      <dgm:spPr/>
+      <dgm:t>
+        <a:bodyPr/>
+        <a:lstStyle/>
+        <a:p>
+          <a:r>
+            <a:rPr lang="ru-RU" sz="1600" dirty="0" smtClean="0"/>
+            <a:t>Проверка</a:t>
+          </a:r>
+          <a:endParaRPr lang="ru-RU" sz="1600" dirty="0"/>
+        </a:p>
+      </dgm:t>
+    </dgm:pt>
+    <dgm:pt modelId="{8CF7CCD2-8F0C-4FA0-96F5-CF6E4E93BFF5}" type="parTrans" cxnId="{516A2DF0-EEA7-4739-BE44-D31155A34219}">
+      <dgm:prSet/>
+      <dgm:spPr/>
+      <dgm:t>
+        <a:bodyPr/>
+        <a:lstStyle/>
+        <a:p>
+          <a:endParaRPr lang="ru-RU"/>
+        </a:p>
+      </dgm:t>
+    </dgm:pt>
+    <dgm:pt modelId="{1BFA18C9-327C-441F-8AC4-6BA2427D13F9}" type="sibTrans" cxnId="{516A2DF0-EEA7-4739-BE44-D31155A34219}">
+      <dgm:prSet/>
+      <dgm:spPr/>
+      <dgm:t>
+        <a:bodyPr/>
+        <a:lstStyle/>
+        <a:p>
+          <a:endParaRPr lang="ru-RU"/>
+        </a:p>
+      </dgm:t>
+    </dgm:pt>
+    <dgm:pt modelId="{27BE46CB-098E-4B58-904D-3666228D9012}">
+      <dgm:prSet phldrT="[Текст]"/>
+      <dgm:spPr/>
+      <dgm:t>
+        <a:bodyPr/>
+        <a:lstStyle/>
+        <a:p>
+          <a:r>
+            <a:rPr lang="ru-RU" dirty="0" smtClean="0"/>
+            <a:t>Онлайн-обучение</a:t>
+          </a:r>
+          <a:endParaRPr lang="ru-RU" dirty="0"/>
+        </a:p>
+      </dgm:t>
+    </dgm:pt>
+    <dgm:pt modelId="{43C8C5D8-C79B-43E2-A895-7F7C3E2C80C2}" type="parTrans" cxnId="{18C232FE-2973-4510-BD46-4FAC4CD78300}">
+      <dgm:prSet/>
+      <dgm:spPr/>
+      <dgm:t>
+        <a:bodyPr/>
+        <a:lstStyle/>
+        <a:p>
+          <a:endParaRPr lang="ru-RU"/>
+        </a:p>
+      </dgm:t>
+    </dgm:pt>
+    <dgm:pt modelId="{CC34CAB7-375E-4706-8407-F5F6B83D889B}" type="sibTrans" cxnId="{18C232FE-2973-4510-BD46-4FAC4CD78300}">
+      <dgm:prSet/>
+      <dgm:spPr/>
+      <dgm:t>
+        <a:bodyPr/>
+        <a:lstStyle/>
+        <a:p>
+          <a:endParaRPr lang="ru-RU"/>
+        </a:p>
+      </dgm:t>
+    </dgm:pt>
+    <dgm:pt modelId="{74363A05-2632-4823-910C-6093DB777707}">
+      <dgm:prSet phldrT="[Текст]"/>
+      <dgm:spPr/>
+      <dgm:t>
+        <a:bodyPr/>
+        <a:lstStyle/>
+        <a:p>
+          <a:r>
+            <a:rPr lang="ru-RU" dirty="0" smtClean="0"/>
+            <a:t>Поиск данных</a:t>
+          </a:r>
+          <a:endParaRPr lang="ru-RU" dirty="0"/>
+        </a:p>
+      </dgm:t>
+    </dgm:pt>
+    <dgm:pt modelId="{B5BEBE68-BA5B-47F6-808D-CFC09F2F8784}" type="parTrans" cxnId="{7384B376-C791-44FE-83AE-78999D4D62BC}">
+      <dgm:prSet/>
+      <dgm:spPr/>
+      <dgm:t>
+        <a:bodyPr/>
+        <a:lstStyle/>
+        <a:p>
+          <a:endParaRPr lang="ru-RU"/>
+        </a:p>
+      </dgm:t>
+    </dgm:pt>
+    <dgm:pt modelId="{803DB1E4-7107-4A3F-9261-5BE6FA361619}" type="sibTrans" cxnId="{7384B376-C791-44FE-83AE-78999D4D62BC}">
+      <dgm:prSet/>
+      <dgm:spPr/>
+      <dgm:t>
+        <a:bodyPr/>
+        <a:lstStyle/>
+        <a:p>
+          <a:endParaRPr lang="ru-RU"/>
+        </a:p>
+      </dgm:t>
+    </dgm:pt>
+    <dgm:pt modelId="{C9482A9A-59C8-44DC-9C99-93041B45243A}">
+      <dgm:prSet phldrT="[Текст]"/>
+      <dgm:spPr/>
+      <dgm:t>
+        <a:bodyPr/>
+        <a:lstStyle/>
+        <a:p>
+          <a:r>
+            <a:rPr lang="ru-RU" dirty="0" smtClean="0"/>
+            <a:t>Сбор данных</a:t>
+          </a:r>
+          <a:endParaRPr lang="ru-RU" dirty="0"/>
+        </a:p>
+      </dgm:t>
+    </dgm:pt>
+    <dgm:pt modelId="{FD64ADA5-101A-4580-A6A5-AC20752791C4}" type="parTrans" cxnId="{54A9E02E-FBB3-4D8E-880B-EA6A3F8D12E8}">
+      <dgm:prSet/>
+      <dgm:spPr/>
+      <dgm:t>
+        <a:bodyPr/>
+        <a:lstStyle/>
+        <a:p>
+          <a:endParaRPr lang="ru-RU"/>
+        </a:p>
+      </dgm:t>
+    </dgm:pt>
+    <dgm:pt modelId="{DCAA8000-B694-42C9-9CB1-3206EEBF9854}" type="sibTrans" cxnId="{54A9E02E-FBB3-4D8E-880B-EA6A3F8D12E8}">
+      <dgm:prSet/>
+      <dgm:spPr/>
+      <dgm:t>
+        <a:bodyPr/>
+        <a:lstStyle/>
+        <a:p>
+          <a:endParaRPr lang="ru-RU"/>
+        </a:p>
+      </dgm:t>
+    </dgm:pt>
+    <dgm:pt modelId="{2BC4D9E2-CA74-48AD-BA74-41894DD90C47}">
+      <dgm:prSet phldrT="[Текст]"/>
+      <dgm:spPr/>
+      <dgm:t>
+        <a:bodyPr/>
+        <a:lstStyle/>
+        <a:p>
+          <a:r>
+            <a:rPr lang="ru-RU" dirty="0" smtClean="0"/>
+            <a:t>Объединение данных в один профиль</a:t>
+          </a:r>
+          <a:endParaRPr lang="ru-RU" dirty="0"/>
+        </a:p>
+      </dgm:t>
+    </dgm:pt>
+    <dgm:pt modelId="{FE48E18E-DB84-40A7-A632-3065C53FDB85}" type="parTrans" cxnId="{CC39BE2C-45CF-44C0-A2E8-25C3A9C53D3C}">
+      <dgm:prSet/>
+      <dgm:spPr/>
+      <dgm:t>
+        <a:bodyPr/>
+        <a:lstStyle/>
+        <a:p>
+          <a:endParaRPr lang="ru-RU"/>
+        </a:p>
+      </dgm:t>
+    </dgm:pt>
+    <dgm:pt modelId="{19C6F250-A446-4DE0-8039-D4A42ECC3205}" type="sibTrans" cxnId="{CC39BE2C-45CF-44C0-A2E8-25C3A9C53D3C}">
+      <dgm:prSet/>
+      <dgm:spPr/>
+      <dgm:t>
+        <a:bodyPr/>
+        <a:lstStyle/>
+        <a:p>
+          <a:endParaRPr lang="ru-RU"/>
+        </a:p>
+      </dgm:t>
+    </dgm:pt>
+    <dgm:pt modelId="{713F302F-7A9E-4657-8691-C78FCCF44EF8}">
+      <dgm:prSet phldrT="[Текст]"/>
+      <dgm:spPr/>
+      <dgm:t>
+        <a:bodyPr/>
+        <a:lstStyle/>
+        <a:p>
+          <a:r>
+            <a:rPr lang="ru-RU" dirty="0" smtClean="0"/>
+            <a:t>Разметка данных</a:t>
+          </a:r>
+          <a:endParaRPr lang="ru-RU" dirty="0"/>
+        </a:p>
+      </dgm:t>
+    </dgm:pt>
+    <dgm:pt modelId="{EFAF850F-FE85-4AC6-BB5A-C3F61554B16C}" type="parTrans" cxnId="{7ECCF0F1-3303-4801-BDD3-C8C87FA3839D}">
+      <dgm:prSet/>
+      <dgm:spPr/>
+      <dgm:t>
+        <a:bodyPr/>
+        <a:lstStyle/>
+        <a:p>
+          <a:endParaRPr lang="ru-RU"/>
+        </a:p>
+      </dgm:t>
+    </dgm:pt>
+    <dgm:pt modelId="{2C5C4766-FED2-4689-9F79-C350E955D632}" type="sibTrans" cxnId="{7ECCF0F1-3303-4801-BDD3-C8C87FA3839D}">
+      <dgm:prSet/>
+      <dgm:spPr/>
+      <dgm:t>
+        <a:bodyPr/>
+        <a:lstStyle/>
+        <a:p>
+          <a:endParaRPr lang="ru-RU"/>
+        </a:p>
+      </dgm:t>
+    </dgm:pt>
+    <dgm:pt modelId="{1E87ED2E-9658-4A15-9DB5-F4E04C020D51}">
+      <dgm:prSet phldrT="[Текст]"/>
+      <dgm:spPr/>
+      <dgm:t>
+        <a:bodyPr/>
+        <a:lstStyle/>
+        <a:p>
+          <a:r>
+            <a:rPr lang="ru-RU" dirty="0" smtClean="0"/>
+            <a:t>Алгоритм построения траекторий (рекомендаций)</a:t>
+          </a:r>
+          <a:endParaRPr lang="ru-RU" dirty="0"/>
+        </a:p>
+      </dgm:t>
+    </dgm:pt>
+    <dgm:pt modelId="{7F43FFE0-CA0F-4FDB-9725-633540BA7DF8}" type="parTrans" cxnId="{A93EC180-D5FA-4A3C-ACB5-37F3D64B7D2C}">
+      <dgm:prSet/>
+      <dgm:spPr/>
+      <dgm:t>
+        <a:bodyPr/>
+        <a:lstStyle/>
+        <a:p>
+          <a:endParaRPr lang="ru-RU"/>
+        </a:p>
+      </dgm:t>
+    </dgm:pt>
+    <dgm:pt modelId="{FF498FF2-AD54-442E-92D1-D8A484436C6C}" type="sibTrans" cxnId="{A93EC180-D5FA-4A3C-ACB5-37F3D64B7D2C}">
+      <dgm:prSet/>
+      <dgm:spPr/>
+      <dgm:t>
+        <a:bodyPr/>
+        <a:lstStyle/>
+        <a:p>
+          <a:endParaRPr lang="ru-RU"/>
+        </a:p>
+      </dgm:t>
+    </dgm:pt>
+    <dgm:pt modelId="{687C7C07-375C-427A-ABFC-0A3BD98E3891}">
+      <dgm:prSet phldrT="[Текст]"/>
+      <dgm:spPr/>
+      <dgm:t>
+        <a:bodyPr/>
+        <a:lstStyle/>
+        <a:p>
+          <a:r>
+            <a:rPr lang="ru-RU" dirty="0" smtClean="0"/>
+            <a:t>Сбор и анализ статистики работы</a:t>
+          </a:r>
+          <a:endParaRPr lang="ru-RU" dirty="0"/>
+        </a:p>
+      </dgm:t>
+    </dgm:pt>
+    <dgm:pt modelId="{46792ED0-9898-4E02-B19B-6D378A2C8115}" type="parTrans" cxnId="{5ABA848D-AA35-4AB4-8F57-7A26D6D5A7DB}">
+      <dgm:prSet/>
+      <dgm:spPr/>
+      <dgm:t>
+        <a:bodyPr/>
+        <a:lstStyle/>
+        <a:p>
+          <a:endParaRPr lang="ru-RU"/>
+        </a:p>
+      </dgm:t>
+    </dgm:pt>
+    <dgm:pt modelId="{5DF5AB66-DC37-4D48-81A1-18ABCDA6F4B2}" type="sibTrans" cxnId="{5ABA848D-AA35-4AB4-8F57-7A26D6D5A7DB}">
+      <dgm:prSet/>
+      <dgm:spPr/>
+      <dgm:t>
+        <a:bodyPr/>
+        <a:lstStyle/>
+        <a:p>
+          <a:endParaRPr lang="ru-RU"/>
+        </a:p>
+      </dgm:t>
+    </dgm:pt>
+    <dgm:pt modelId="{7944EEA0-93C5-4133-B361-08B898616DB7}">
+      <dgm:prSet phldrT="[Текст]"/>
+      <dgm:spPr/>
+      <dgm:t>
+        <a:bodyPr/>
+        <a:lstStyle/>
+        <a:p>
+          <a:r>
+            <a:rPr lang="ru-RU" dirty="0" smtClean="0"/>
+            <a:t>Отбор признаков</a:t>
+          </a:r>
+          <a:endParaRPr lang="ru-RU" dirty="0"/>
+        </a:p>
+      </dgm:t>
+    </dgm:pt>
+    <dgm:pt modelId="{9C9170D3-6EEF-432F-95C2-561320858C6E}" type="parTrans" cxnId="{D76D5CFA-1D82-411B-9626-C75AE662F139}">
+      <dgm:prSet/>
+      <dgm:spPr/>
+      <dgm:t>
+        <a:bodyPr/>
+        <a:lstStyle/>
+        <a:p>
+          <a:endParaRPr lang="ru-RU"/>
+        </a:p>
+      </dgm:t>
+    </dgm:pt>
+    <dgm:pt modelId="{4C4D162A-2073-4D30-882E-93CAE4CD0584}" type="sibTrans" cxnId="{D76D5CFA-1D82-411B-9626-C75AE662F139}">
+      <dgm:prSet/>
+      <dgm:spPr/>
+      <dgm:t>
+        <a:bodyPr/>
+        <a:lstStyle/>
+        <a:p>
+          <a:endParaRPr lang="ru-RU"/>
+        </a:p>
+      </dgm:t>
+    </dgm:pt>
+    <dgm:pt modelId="{91329587-A698-42D7-9FE4-6C104C1821D1}" type="pres">
+      <dgm:prSet presAssocID="{38C215A7-E4EC-484E-A46A-7BEB8DB22AA1}" presName="linearFlow" presStyleCnt="0">
+        <dgm:presLayoutVars>
+          <dgm:dir/>
+          <dgm:animLvl val="lvl"/>
+          <dgm:resizeHandles val="exact"/>
+        </dgm:presLayoutVars>
+      </dgm:prSet>
+      <dgm:spPr/>
+      <dgm:t>
+        <a:bodyPr/>
+        <a:lstStyle/>
+        <a:p>
+          <a:endParaRPr lang="ru-RU"/>
+        </a:p>
+      </dgm:t>
+    </dgm:pt>
+    <dgm:pt modelId="{F4EA0311-63B0-4B60-837E-273D3E36E3BA}" type="pres">
+      <dgm:prSet presAssocID="{ACF4915B-DED3-4DF8-AE14-BF2E1E8F42BD}" presName="composite" presStyleCnt="0"/>
+      <dgm:spPr/>
+    </dgm:pt>
+    <dgm:pt modelId="{4A181A2E-4201-4805-B350-77A421ADDBE6}" type="pres">
+      <dgm:prSet presAssocID="{ACF4915B-DED3-4DF8-AE14-BF2E1E8F42BD}" presName="parentText" presStyleLbl="alignNode1" presStyleIdx="0" presStyleCnt="3">
+        <dgm:presLayoutVars>
+          <dgm:chMax val="1"/>
+          <dgm:bulletEnabled val="1"/>
+        </dgm:presLayoutVars>
+      </dgm:prSet>
+      <dgm:spPr/>
+      <dgm:t>
+        <a:bodyPr/>
+        <a:lstStyle/>
+        <a:p>
+          <a:endParaRPr lang="ru-RU"/>
+        </a:p>
+      </dgm:t>
+    </dgm:pt>
+    <dgm:pt modelId="{CB679D17-54DF-4CF2-9D6D-29F1F12853FD}" type="pres">
+      <dgm:prSet presAssocID="{ACF4915B-DED3-4DF8-AE14-BF2E1E8F42BD}" presName="descendantText" presStyleLbl="alignAcc1" presStyleIdx="0" presStyleCnt="3">
+        <dgm:presLayoutVars>
+          <dgm:bulletEnabled val="1"/>
+        </dgm:presLayoutVars>
+      </dgm:prSet>
+      <dgm:spPr/>
+      <dgm:t>
+        <a:bodyPr/>
+        <a:lstStyle/>
+        <a:p>
+          <a:endParaRPr lang="ru-RU"/>
+        </a:p>
+      </dgm:t>
+    </dgm:pt>
+    <dgm:pt modelId="{D35F66E5-3BC9-43C7-BCB5-BD9D246FA168}" type="pres">
+      <dgm:prSet presAssocID="{7D2BD474-8298-48F1-92AD-18275EAA9876}" presName="sp" presStyleCnt="0"/>
+      <dgm:spPr/>
+    </dgm:pt>
+    <dgm:pt modelId="{2536069B-0FE3-477F-BDF4-78C5C4FE2C50}" type="pres">
+      <dgm:prSet presAssocID="{4B8DDE04-C35B-4013-AB27-5ECC47457D17}" presName="composite" presStyleCnt="0"/>
+      <dgm:spPr/>
+    </dgm:pt>
+    <dgm:pt modelId="{98704DC2-66A2-489A-8E99-BBD1778CF9A5}" type="pres">
+      <dgm:prSet presAssocID="{4B8DDE04-C35B-4013-AB27-5ECC47457D17}" presName="parentText" presStyleLbl="alignNode1" presStyleIdx="1" presStyleCnt="3">
+        <dgm:presLayoutVars>
+          <dgm:chMax val="1"/>
+          <dgm:bulletEnabled val="1"/>
+        </dgm:presLayoutVars>
+      </dgm:prSet>
+      <dgm:spPr/>
+      <dgm:t>
+        <a:bodyPr/>
+        <a:lstStyle/>
+        <a:p>
+          <a:endParaRPr lang="ru-RU"/>
+        </a:p>
+      </dgm:t>
+    </dgm:pt>
+    <dgm:pt modelId="{5E949AD1-DF13-48E7-8FF9-B97D183DDD80}" type="pres">
+      <dgm:prSet presAssocID="{4B8DDE04-C35B-4013-AB27-5ECC47457D17}" presName="descendantText" presStyleLbl="alignAcc1" presStyleIdx="1" presStyleCnt="3">
+        <dgm:presLayoutVars>
+          <dgm:bulletEnabled val="1"/>
+        </dgm:presLayoutVars>
+      </dgm:prSet>
+      <dgm:spPr/>
+      <dgm:t>
+        <a:bodyPr/>
+        <a:lstStyle/>
+        <a:p>
+          <a:endParaRPr lang="ru-RU"/>
+        </a:p>
+      </dgm:t>
+    </dgm:pt>
+    <dgm:pt modelId="{43096134-312C-4EE4-ADE0-C0440F35D071}" type="pres">
+      <dgm:prSet presAssocID="{82FBE515-4E67-472B-AE03-3DC81CEE3AFA}" presName="sp" presStyleCnt="0"/>
+      <dgm:spPr/>
+    </dgm:pt>
+    <dgm:pt modelId="{894F26EE-CFAD-4ED4-988B-084619C4A20D}" type="pres">
+      <dgm:prSet presAssocID="{73667007-FDBF-461E-9C70-E415ADF7D7CA}" presName="composite" presStyleCnt="0"/>
+      <dgm:spPr/>
+    </dgm:pt>
+    <dgm:pt modelId="{56FC8418-9102-490E-9D45-D45F450F6169}" type="pres">
+      <dgm:prSet presAssocID="{73667007-FDBF-461E-9C70-E415ADF7D7CA}" presName="parentText" presStyleLbl="alignNode1" presStyleIdx="2" presStyleCnt="3">
+        <dgm:presLayoutVars>
+          <dgm:chMax val="1"/>
+          <dgm:bulletEnabled val="1"/>
+        </dgm:presLayoutVars>
+      </dgm:prSet>
+      <dgm:spPr/>
+      <dgm:t>
+        <a:bodyPr/>
+        <a:lstStyle/>
+        <a:p>
+          <a:endParaRPr lang="ru-RU"/>
+        </a:p>
+      </dgm:t>
+    </dgm:pt>
+    <dgm:pt modelId="{D4E21C4E-C8CC-4368-A443-8D28CC65C15A}" type="pres">
+      <dgm:prSet presAssocID="{73667007-FDBF-461E-9C70-E415ADF7D7CA}" presName="descendantText" presStyleLbl="alignAcc1" presStyleIdx="2" presStyleCnt="3">
+        <dgm:presLayoutVars>
+          <dgm:bulletEnabled val="1"/>
+        </dgm:presLayoutVars>
+      </dgm:prSet>
+      <dgm:spPr/>
+      <dgm:t>
+        <a:bodyPr/>
+        <a:lstStyle/>
+        <a:p>
+          <a:endParaRPr lang="ru-RU"/>
+        </a:p>
+      </dgm:t>
+    </dgm:pt>
+  </dgm:ptLst>
+  <dgm:cxnLst>
+    <dgm:cxn modelId="{7450A273-B8AC-4B24-8C0A-31B9BA1F42E3}" type="presOf" srcId="{2BC4D9E2-CA74-48AD-BA74-41894DD90C47}" destId="{CB679D17-54DF-4CF2-9D6D-29F1F12853FD}" srcOrd="0" destOrd="2" presId="urn:microsoft.com/office/officeart/2005/8/layout/chevron2"/>
+    <dgm:cxn modelId="{7D116A71-5AF8-42E8-9CBD-7329615C7977}" type="presOf" srcId="{F65E8CC0-D980-4859-9022-6EAD4278CF3C}" destId="{5E949AD1-DF13-48E7-8FF9-B97D183DDD80}" srcOrd="0" destOrd="0" presId="urn:microsoft.com/office/officeart/2005/8/layout/chevron2"/>
+    <dgm:cxn modelId="{FFB6FA8C-2132-4160-861B-FD5C3C8A9EE7}" type="presOf" srcId="{4B8DDE04-C35B-4013-AB27-5ECC47457D17}" destId="{98704DC2-66A2-489A-8E99-BBD1778CF9A5}" srcOrd="0" destOrd="0" presId="urn:microsoft.com/office/officeart/2005/8/layout/chevron2"/>
+    <dgm:cxn modelId="{22330987-F3AE-4434-B08B-52EC571CE783}" srcId="{38C215A7-E4EC-484E-A46A-7BEB8DB22AA1}" destId="{ACF4915B-DED3-4DF8-AE14-BF2E1E8F42BD}" srcOrd="0" destOrd="0" parTransId="{584DEDA3-6FE6-4C47-84A7-EF91BD4376D7}" sibTransId="{7D2BD474-8298-48F1-92AD-18275EAA9876}"/>
+    <dgm:cxn modelId="{E7F4B881-F0FD-4DBE-A9C3-8DE90F632720}" type="presOf" srcId="{ACF4915B-DED3-4DF8-AE14-BF2E1E8F42BD}" destId="{4A181A2E-4201-4805-B350-77A421ADDBE6}" srcOrd="0" destOrd="0" presId="urn:microsoft.com/office/officeart/2005/8/layout/chevron2"/>
+    <dgm:cxn modelId="{18C232FE-2973-4510-BD46-4FAC4CD78300}" srcId="{73667007-FDBF-461E-9C70-E415ADF7D7CA}" destId="{27BE46CB-098E-4B58-904D-3666228D9012}" srcOrd="0" destOrd="0" parTransId="{43C8C5D8-C79B-43E2-A895-7F7C3E2C80C2}" sibTransId="{CC34CAB7-375E-4706-8407-F5F6B83D889B}"/>
+    <dgm:cxn modelId="{516A2DF0-EEA7-4739-BE44-D31155A34219}" srcId="{38C215A7-E4EC-484E-A46A-7BEB8DB22AA1}" destId="{73667007-FDBF-461E-9C70-E415ADF7D7CA}" srcOrd="2" destOrd="0" parTransId="{8CF7CCD2-8F0C-4FA0-96F5-CF6E4E93BFF5}" sibTransId="{1BFA18C9-327C-441F-8AC4-6BA2427D13F9}"/>
+    <dgm:cxn modelId="{7384B376-C791-44FE-83AE-78999D4D62BC}" srcId="{ACF4915B-DED3-4DF8-AE14-BF2E1E8F42BD}" destId="{74363A05-2632-4823-910C-6093DB777707}" srcOrd="0" destOrd="0" parTransId="{B5BEBE68-BA5B-47F6-808D-CFC09F2F8784}" sibTransId="{803DB1E4-7107-4A3F-9261-5BE6FA361619}"/>
+    <dgm:cxn modelId="{8FA261E7-2764-4265-A651-84616CEA170D}" srcId="{4B8DDE04-C35B-4013-AB27-5ECC47457D17}" destId="{F65E8CC0-D980-4859-9022-6EAD4278CF3C}" srcOrd="0" destOrd="0" parTransId="{6C751E53-3FF8-46F9-85FE-AE2BC6CA70CC}" sibTransId="{2B3C5727-8F1E-4680-BC90-5D1960A1CCCC}"/>
+    <dgm:cxn modelId="{A93EC180-D5FA-4A3C-ACB5-37F3D64B7D2C}" srcId="{4B8DDE04-C35B-4013-AB27-5ECC47457D17}" destId="{1E87ED2E-9658-4A15-9DB5-F4E04C020D51}" srcOrd="3" destOrd="0" parTransId="{7F43FFE0-CA0F-4FDB-9725-633540BA7DF8}" sibTransId="{FF498FF2-AD54-442E-92D1-D8A484436C6C}"/>
+    <dgm:cxn modelId="{6FA353CC-3462-4490-B643-1FD5D397FCA1}" type="presOf" srcId="{38C215A7-E4EC-484E-A46A-7BEB8DB22AA1}" destId="{91329587-A698-42D7-9FE4-6C104C1821D1}" srcOrd="0" destOrd="0" presId="urn:microsoft.com/office/officeart/2005/8/layout/chevron2"/>
+    <dgm:cxn modelId="{E21D9751-68BB-4C07-88C6-B61C41C80038}" srcId="{38C215A7-E4EC-484E-A46A-7BEB8DB22AA1}" destId="{4B8DDE04-C35B-4013-AB27-5ECC47457D17}" srcOrd="1" destOrd="0" parTransId="{075D9EA1-B641-4F45-871B-0FF447E8DC72}" sibTransId="{82FBE515-4E67-472B-AE03-3DC81CEE3AFA}"/>
+    <dgm:cxn modelId="{CC39BE2C-45CF-44C0-A2E8-25C3A9C53D3C}" srcId="{ACF4915B-DED3-4DF8-AE14-BF2E1E8F42BD}" destId="{2BC4D9E2-CA74-48AD-BA74-41894DD90C47}" srcOrd="2" destOrd="0" parTransId="{FE48E18E-DB84-40A7-A632-3065C53FDB85}" sibTransId="{19C6F250-A446-4DE0-8039-D4A42ECC3205}"/>
+    <dgm:cxn modelId="{D76D5CFA-1D82-411B-9626-C75AE662F139}" srcId="{4B8DDE04-C35B-4013-AB27-5ECC47457D17}" destId="{7944EEA0-93C5-4133-B361-08B898616DB7}" srcOrd="1" destOrd="0" parTransId="{9C9170D3-6EEF-432F-95C2-561320858C6E}" sibTransId="{4C4D162A-2073-4D30-882E-93CAE4CD0584}"/>
+    <dgm:cxn modelId="{05402567-7A70-432B-9FD8-30A2565170AD}" type="presOf" srcId="{74363A05-2632-4823-910C-6093DB777707}" destId="{CB679D17-54DF-4CF2-9D6D-29F1F12853FD}" srcOrd="0" destOrd="0" presId="urn:microsoft.com/office/officeart/2005/8/layout/chevron2"/>
+    <dgm:cxn modelId="{02E26D30-D655-4190-835F-CA16D26396AD}" type="presOf" srcId="{687C7C07-375C-427A-ABFC-0A3BD98E3891}" destId="{D4E21C4E-C8CC-4368-A443-8D28CC65C15A}" srcOrd="0" destOrd="1" presId="urn:microsoft.com/office/officeart/2005/8/layout/chevron2"/>
+    <dgm:cxn modelId="{5ABA848D-AA35-4AB4-8F57-7A26D6D5A7DB}" srcId="{73667007-FDBF-461E-9C70-E415ADF7D7CA}" destId="{687C7C07-375C-427A-ABFC-0A3BD98E3891}" srcOrd="1" destOrd="0" parTransId="{46792ED0-9898-4E02-B19B-6D378A2C8115}" sibTransId="{5DF5AB66-DC37-4D48-81A1-18ABCDA6F4B2}"/>
+    <dgm:cxn modelId="{4847556B-6AB9-4EC3-B37B-589BDA206C0E}" type="presOf" srcId="{73667007-FDBF-461E-9C70-E415ADF7D7CA}" destId="{56FC8418-9102-490E-9D45-D45F450F6169}" srcOrd="0" destOrd="0" presId="urn:microsoft.com/office/officeart/2005/8/layout/chevron2"/>
+    <dgm:cxn modelId="{54A9E02E-FBB3-4D8E-880B-EA6A3F8D12E8}" srcId="{ACF4915B-DED3-4DF8-AE14-BF2E1E8F42BD}" destId="{C9482A9A-59C8-44DC-9C99-93041B45243A}" srcOrd="1" destOrd="0" parTransId="{FD64ADA5-101A-4580-A6A5-AC20752791C4}" sibTransId="{DCAA8000-B694-42C9-9CB1-3206EEBF9854}"/>
+    <dgm:cxn modelId="{A955023D-084D-452E-BD8C-F4BD01ADE0D3}" type="presOf" srcId="{7944EEA0-93C5-4133-B361-08B898616DB7}" destId="{5E949AD1-DF13-48E7-8FF9-B97D183DDD80}" srcOrd="0" destOrd="1" presId="urn:microsoft.com/office/officeart/2005/8/layout/chevron2"/>
+    <dgm:cxn modelId="{39007528-F438-4D67-86BE-AB0C17081A7E}" type="presOf" srcId="{C9482A9A-59C8-44DC-9C99-93041B45243A}" destId="{CB679D17-54DF-4CF2-9D6D-29F1F12853FD}" srcOrd="0" destOrd="1" presId="urn:microsoft.com/office/officeart/2005/8/layout/chevron2"/>
+    <dgm:cxn modelId="{CD80F71B-8D05-451C-9503-E18F1A1D2F15}" type="presOf" srcId="{27BE46CB-098E-4B58-904D-3666228D9012}" destId="{D4E21C4E-C8CC-4368-A443-8D28CC65C15A}" srcOrd="0" destOrd="0" presId="urn:microsoft.com/office/officeart/2005/8/layout/chevron2"/>
+    <dgm:cxn modelId="{F1F73811-4A75-44BA-B363-F87066174E16}" type="presOf" srcId="{1E87ED2E-9658-4A15-9DB5-F4E04C020D51}" destId="{5E949AD1-DF13-48E7-8FF9-B97D183DDD80}" srcOrd="0" destOrd="3" presId="urn:microsoft.com/office/officeart/2005/8/layout/chevron2"/>
+    <dgm:cxn modelId="{2FAE37DA-8998-4AE3-AE1F-04878A0E4803}" type="presOf" srcId="{713F302F-7A9E-4657-8691-C78FCCF44EF8}" destId="{5E949AD1-DF13-48E7-8FF9-B97D183DDD80}" srcOrd="0" destOrd="2" presId="urn:microsoft.com/office/officeart/2005/8/layout/chevron2"/>
+    <dgm:cxn modelId="{7ECCF0F1-3303-4801-BDD3-C8C87FA3839D}" srcId="{4B8DDE04-C35B-4013-AB27-5ECC47457D17}" destId="{713F302F-7A9E-4657-8691-C78FCCF44EF8}" srcOrd="2" destOrd="0" parTransId="{EFAF850F-FE85-4AC6-BB5A-C3F61554B16C}" sibTransId="{2C5C4766-FED2-4689-9F79-C350E955D632}"/>
+    <dgm:cxn modelId="{8C40E4D2-DEEA-48DA-A7CE-8756D71EC515}" type="presParOf" srcId="{91329587-A698-42D7-9FE4-6C104C1821D1}" destId="{F4EA0311-63B0-4B60-837E-273D3E36E3BA}" srcOrd="0" destOrd="0" presId="urn:microsoft.com/office/officeart/2005/8/layout/chevron2"/>
+    <dgm:cxn modelId="{6C8E42A9-6980-4C84-A09D-E66C8FDBD0A7}" type="presParOf" srcId="{F4EA0311-63B0-4B60-837E-273D3E36E3BA}" destId="{4A181A2E-4201-4805-B350-77A421ADDBE6}" srcOrd="0" destOrd="0" presId="urn:microsoft.com/office/officeart/2005/8/layout/chevron2"/>
+    <dgm:cxn modelId="{8E7F2553-0CA4-457B-B34D-DA9987F82959}" type="presParOf" srcId="{F4EA0311-63B0-4B60-837E-273D3E36E3BA}" destId="{CB679D17-54DF-4CF2-9D6D-29F1F12853FD}" srcOrd="1" destOrd="0" presId="urn:microsoft.com/office/officeart/2005/8/layout/chevron2"/>
+    <dgm:cxn modelId="{87B7690B-6BEE-4CA7-B62E-CE5DAC2D4DE5}" type="presParOf" srcId="{91329587-A698-42D7-9FE4-6C104C1821D1}" destId="{D35F66E5-3BC9-43C7-BCB5-BD9D246FA168}" srcOrd="1" destOrd="0" presId="urn:microsoft.com/office/officeart/2005/8/layout/chevron2"/>
+    <dgm:cxn modelId="{C1CC0D65-F78B-4884-BA30-B5F14782228D}" type="presParOf" srcId="{91329587-A698-42D7-9FE4-6C104C1821D1}" destId="{2536069B-0FE3-477F-BDF4-78C5C4FE2C50}" srcOrd="2" destOrd="0" presId="urn:microsoft.com/office/officeart/2005/8/layout/chevron2"/>
+    <dgm:cxn modelId="{DDD79114-2C05-4DF5-AA11-6585517FF930}" type="presParOf" srcId="{2536069B-0FE3-477F-BDF4-78C5C4FE2C50}" destId="{98704DC2-66A2-489A-8E99-BBD1778CF9A5}" srcOrd="0" destOrd="0" presId="urn:microsoft.com/office/officeart/2005/8/layout/chevron2"/>
+    <dgm:cxn modelId="{573F6F41-FA86-472C-A03B-FCE11A3E6461}" type="presParOf" srcId="{2536069B-0FE3-477F-BDF4-78C5C4FE2C50}" destId="{5E949AD1-DF13-48E7-8FF9-B97D183DDD80}" srcOrd="1" destOrd="0" presId="urn:microsoft.com/office/officeart/2005/8/layout/chevron2"/>
+    <dgm:cxn modelId="{61E78B7D-ED86-4D4E-9164-5132FA17EEA5}" type="presParOf" srcId="{91329587-A698-42D7-9FE4-6C104C1821D1}" destId="{43096134-312C-4EE4-ADE0-C0440F35D071}" srcOrd="3" destOrd="0" presId="urn:microsoft.com/office/officeart/2005/8/layout/chevron2"/>
+    <dgm:cxn modelId="{7788C2D1-C47A-41C2-A768-85AA940966B1}" type="presParOf" srcId="{91329587-A698-42D7-9FE4-6C104C1821D1}" destId="{894F26EE-CFAD-4ED4-988B-084619C4A20D}" srcOrd="4" destOrd="0" presId="urn:microsoft.com/office/officeart/2005/8/layout/chevron2"/>
+    <dgm:cxn modelId="{76C15E66-515B-496F-95B7-501326B6236B}" type="presParOf" srcId="{894F26EE-CFAD-4ED4-988B-084619C4A20D}" destId="{56FC8418-9102-490E-9D45-D45F450F6169}" srcOrd="0" destOrd="0" presId="urn:microsoft.com/office/officeart/2005/8/layout/chevron2"/>
+    <dgm:cxn modelId="{C0630725-665A-4C33-BD67-9B84DC818F83}" type="presParOf" srcId="{894F26EE-CFAD-4ED4-988B-084619C4A20D}" destId="{D4E21C4E-C8CC-4368-A443-8D28CC65C15A}" srcOrd="1" destOrd="0" presId="urn:microsoft.com/office/officeart/2005/8/layout/chevron2"/>
+  </dgm:cxnLst>
+  <dgm:bg/>
+  <dgm:whole/>
+  <dgm:extLst>
+    <a:ext uri="http://schemas.microsoft.com/office/drawing/2008/diagram">
+      <dsp:dataModelExt xmlns:dsp="http://schemas.microsoft.com/office/drawing/2008/diagram" relId="rId6" minVer="http://schemas.openxmlformats.org/drawingml/2006/diagram"/>
+    </a:ext>
+  </dgm:extLst>
+</dgm:dataModel>
+</file>
+
+<file path=ppt/diagrams/data4.xml><?xml version="1.0" encoding="utf-8"?>
 <dgm:dataModel xmlns:dgm="http://schemas.openxmlformats.org/drawingml/2006/diagram" xmlns:a="http://schemas.openxmlformats.org/drawingml/2006/main">
   <dgm:ptLst>
     <dgm:pt modelId="{38C215A7-E4EC-484E-A46A-7BEB8DB22AA1}" type="doc">
@@ -4403,8 +5972,8 @@
     <dgm:cxn modelId="{22330987-F3AE-4434-B08B-52EC571CE783}" srcId="{38C215A7-E4EC-484E-A46A-7BEB8DB22AA1}" destId="{ACF4915B-DED3-4DF8-AE14-BF2E1E8F42BD}" srcOrd="0" destOrd="0" parTransId="{584DEDA3-6FE6-4C47-84A7-EF91BD4376D7}" sibTransId="{7D2BD474-8298-48F1-92AD-18275EAA9876}"/>
     <dgm:cxn modelId="{198C02A7-FF7C-4132-8684-3B595D31A446}" srcId="{ACF4915B-DED3-4DF8-AE14-BF2E1E8F42BD}" destId="{4C61228F-63B0-4710-A7AA-2E1930FBAA75}" srcOrd="1" destOrd="0" parTransId="{D211B84F-89C0-4090-A49B-9E1CAA6C362E}" sibTransId="{A031DBD5-B05B-43E3-8F45-338666A2E1B0}"/>
     <dgm:cxn modelId="{18C232FE-2973-4510-BD46-4FAC4CD78300}" srcId="{73667007-FDBF-461E-9C70-E415ADF7D7CA}" destId="{27BE46CB-098E-4B58-904D-3666228D9012}" srcOrd="0" destOrd="0" parTransId="{43C8C5D8-C79B-43E2-A895-7F7C3E2C80C2}" sibTransId="{CC34CAB7-375E-4706-8407-F5F6B83D889B}"/>
+    <dgm:cxn modelId="{2BB199D0-5E1E-4FE0-9C55-21DAA67B1BBB}" type="presOf" srcId="{F65E8CC0-D980-4859-9022-6EAD4278CF3C}" destId="{5E949AD1-DF13-48E7-8FF9-B97D183DDD80}" srcOrd="0" destOrd="0" presId="urn:microsoft.com/office/officeart/2005/8/layout/chevron2"/>
     <dgm:cxn modelId="{180BE206-5265-48C0-A4F2-11CD073E181E}" type="presOf" srcId="{74363A05-2632-4823-910C-6093DB777707}" destId="{CB679D17-54DF-4CF2-9D6D-29F1F12853FD}" srcOrd="0" destOrd="0" presId="urn:microsoft.com/office/officeart/2005/8/layout/chevron2"/>
-    <dgm:cxn modelId="{2BB199D0-5E1E-4FE0-9C55-21DAA67B1BBB}" type="presOf" srcId="{F65E8CC0-D980-4859-9022-6EAD4278CF3C}" destId="{5E949AD1-DF13-48E7-8FF9-B97D183DDD80}" srcOrd="0" destOrd="0" presId="urn:microsoft.com/office/officeart/2005/8/layout/chevron2"/>
     <dgm:cxn modelId="{516A2DF0-EEA7-4739-BE44-D31155A34219}" srcId="{38C215A7-E4EC-484E-A46A-7BEB8DB22AA1}" destId="{73667007-FDBF-461E-9C70-E415ADF7D7CA}" srcOrd="2" destOrd="0" parTransId="{8CF7CCD2-8F0C-4FA0-96F5-CF6E4E93BFF5}" sibTransId="{1BFA18C9-327C-441F-8AC4-6BA2427D13F9}"/>
     <dgm:cxn modelId="{7384B376-C791-44FE-83AE-78999D4D62BC}" srcId="{ACF4915B-DED3-4DF8-AE14-BF2E1E8F42BD}" destId="{74363A05-2632-4823-910C-6093DB777707}" srcOrd="0" destOrd="0" parTransId="{B5BEBE68-BA5B-47F6-808D-CFC09F2F8784}" sibTransId="{803DB1E4-7107-4A3F-9261-5BE6FA361619}"/>
     <dgm:cxn modelId="{8FA261E7-2764-4265-A651-84616CEA170D}" srcId="{4B8DDE04-C35B-4013-AB27-5ECC47457D17}" destId="{F65E8CC0-D980-4859-9022-6EAD4278CF3C}" srcOrd="0" destOrd="0" parTransId="{6C751E53-3FF8-46F9-85FE-AE2BC6CA70CC}" sibTransId="{2B3C5727-8F1E-4680-BC90-5D1960A1CCCC}"/>
@@ -4992,8 +6561,8 @@
       </dsp:nvSpPr>
       <dsp:spPr>
         <a:xfrm rot="5400000">
-          <a:off x="-236795" y="238852"/>
-          <a:ext cx="1578634" cy="1105044"/>
+          <a:off x="-236563" y="240744"/>
+          <a:ext cx="1577093" cy="1103965"/>
         </a:xfrm>
         <a:prstGeom prst="chevron">
           <a:avLst/>
@@ -5035,12 +6604,12 @@
         </a:fontRef>
       </dsp:style>
       <dsp:txBody>
-        <a:bodyPr spcFirstLastPara="0" vert="horz" wrap="square" lIns="6350" tIns="6350" rIns="6350" bIns="6350" numCol="1" spcCol="1270" anchor="ctr" anchorCtr="0">
+        <a:bodyPr spcFirstLastPara="0" vert="horz" wrap="square" lIns="10160" tIns="10160" rIns="10160" bIns="10160" numCol="1" spcCol="1270" anchor="ctr" anchorCtr="0">
           <a:noAutofit/>
         </a:bodyPr>
         <a:lstStyle/>
         <a:p>
-          <a:pPr lvl="0" algn="ctr" defTabSz="444500">
+          <a:pPr lvl="0" algn="ctr" defTabSz="711200">
             <a:lnSpc>
               <a:spcPct val="90000"/>
             </a:lnSpc>
@@ -5052,15 +6621,32 @@
             </a:spcAft>
           </a:pPr>
           <a:r>
-            <a:rPr lang="ru-RU" sz="1000" kern="1200" dirty="0" smtClean="0"/>
+            <a:rPr lang="ru-RU" sz="1600" kern="1200" dirty="0" smtClean="0"/>
             <a:t>Извлечение</a:t>
           </a:r>
-          <a:endParaRPr lang="ru-RU" sz="1000" kern="1200" dirty="0"/>
+        </a:p>
+        <a:p>
+          <a:pPr lvl="0" algn="ctr" defTabSz="711200">
+            <a:lnSpc>
+              <a:spcPct val="90000"/>
+            </a:lnSpc>
+            <a:spcBef>
+              <a:spcPct val="0"/>
+            </a:spcBef>
+            <a:spcAft>
+              <a:spcPct val="35000"/>
+            </a:spcAft>
+          </a:pPr>
+          <a:r>
+            <a:rPr lang="ru-RU" sz="1600" kern="1200" dirty="0" smtClean="0"/>
+            <a:t>данных</a:t>
+          </a:r>
+          <a:endParaRPr lang="ru-RU" sz="1600" kern="1200" dirty="0"/>
         </a:p>
       </dsp:txBody>
       <dsp:txXfrm rot="-5400000">
-        <a:off x="0" y="554579"/>
-        <a:ext cx="1105044" cy="473590"/>
+        <a:off x="2" y="556163"/>
+        <a:ext cx="1103965" cy="473128"/>
       </dsp:txXfrm>
     </dsp:sp>
     <dsp:sp modelId="{CB679D17-54DF-4CF2-9D6D-29F1F12853FD}">
@@ -5070,8 +6656,8 @@
       </dsp:nvSpPr>
       <dsp:spPr>
         <a:xfrm rot="5400000">
-          <a:off x="5297265" y="-4190163"/>
-          <a:ext cx="1026112" cy="9410555"/>
+          <a:off x="5296957" y="-4188812"/>
+          <a:ext cx="1025649" cy="9411634"/>
         </a:xfrm>
         <a:prstGeom prst="round2SameRect">
           <a:avLst/>
@@ -5130,15 +6716,15 @@
             <a:buChar char="••"/>
           </a:pPr>
           <a:r>
-            <a:rPr lang="en-US" sz="2900" kern="1200" dirty="0" smtClean="0"/>
-            <a:t>Named Entity Recognition</a:t>
+            <a:rPr lang="ru-RU" sz="2900" kern="1200" dirty="0" smtClean="0"/>
+            <a:t>Выделение именованных сущностей</a:t>
           </a:r>
           <a:endParaRPr lang="ru-RU" sz="2900" kern="1200" dirty="0"/>
         </a:p>
       </dsp:txBody>
       <dsp:txXfrm rot="-5400000">
-        <a:off x="1105044" y="52149"/>
-        <a:ext cx="9360464" cy="925930"/>
+        <a:off x="1103965" y="54248"/>
+        <a:ext cx="9361566" cy="925513"/>
       </dsp:txXfrm>
     </dsp:sp>
     <dsp:sp modelId="{98704DC2-66A2-489A-8E99-BBD1778CF9A5}">
@@ -5148,8 +6734,8 @@
       </dsp:nvSpPr>
       <dsp:spPr>
         <a:xfrm rot="5400000">
-          <a:off x="-236795" y="1623146"/>
-          <a:ext cx="1578634" cy="1105044"/>
+          <a:off x="-236563" y="1623686"/>
+          <a:ext cx="1577093" cy="1103965"/>
         </a:xfrm>
         <a:prstGeom prst="chevron">
           <a:avLst/>
@@ -5191,12 +6777,12 @@
         </a:fontRef>
       </dsp:style>
       <dsp:txBody>
-        <a:bodyPr spcFirstLastPara="0" vert="horz" wrap="square" lIns="6350" tIns="6350" rIns="6350" bIns="6350" numCol="1" spcCol="1270" anchor="ctr" anchorCtr="0">
+        <a:bodyPr spcFirstLastPara="0" vert="horz" wrap="square" lIns="10160" tIns="10160" rIns="10160" bIns="10160" numCol="1" spcCol="1270" anchor="ctr" anchorCtr="0">
           <a:noAutofit/>
         </a:bodyPr>
         <a:lstStyle/>
         <a:p>
-          <a:pPr lvl="0" algn="ctr" defTabSz="444500">
+          <a:pPr lvl="0" algn="ctr" defTabSz="711200">
             <a:lnSpc>
               <a:spcPct val="90000"/>
             </a:lnSpc>
@@ -5208,15 +6794,15 @@
             </a:spcAft>
           </a:pPr>
           <a:r>
-            <a:rPr lang="ru-RU" sz="1000" kern="1200" dirty="0" smtClean="0"/>
+            <a:rPr lang="ru-RU" sz="1600" kern="1200" dirty="0" smtClean="0"/>
             <a:t>Структурирование</a:t>
           </a:r>
-          <a:endParaRPr lang="ru-RU" sz="1000" kern="1200" dirty="0"/>
+          <a:endParaRPr lang="ru-RU" sz="1600" kern="1200" dirty="0"/>
         </a:p>
       </dsp:txBody>
       <dsp:txXfrm rot="-5400000">
-        <a:off x="0" y="1938873"/>
-        <a:ext cx="1105044" cy="473590"/>
+        <a:off x="2" y="1939105"/>
+        <a:ext cx="1103965" cy="473128"/>
       </dsp:txXfrm>
     </dsp:sp>
     <dsp:sp modelId="{5E949AD1-DF13-48E7-8FF9-B97D183DDD80}">
@@ -5226,8 +6812,8 @@
       </dsp:nvSpPr>
       <dsp:spPr>
         <a:xfrm rot="5400000">
-          <a:off x="5297265" y="-2805869"/>
-          <a:ext cx="1026112" cy="9410555"/>
+          <a:off x="5297227" y="-2806139"/>
+          <a:ext cx="1025110" cy="9411634"/>
         </a:xfrm>
         <a:prstGeom prst="round2SameRect">
           <a:avLst/>
@@ -5316,8 +6902,8 @@
         </a:p>
       </dsp:txBody>
       <dsp:txXfrm rot="-5400000">
-        <a:off x="1105044" y="1436443"/>
-        <a:ext cx="9360464" cy="925930"/>
+        <a:off x="1103965" y="1437165"/>
+        <a:ext cx="9361592" cy="925026"/>
       </dsp:txXfrm>
     </dsp:sp>
     <dsp:sp modelId="{56FC8418-9102-490E-9D45-D45F450F6169}">
@@ -5327,8 +6913,8 @@
       </dsp:nvSpPr>
       <dsp:spPr>
         <a:xfrm rot="5400000">
-          <a:off x="-236795" y="3007440"/>
-          <a:ext cx="1578634" cy="1105044"/>
+          <a:off x="-236563" y="3006628"/>
+          <a:ext cx="1577093" cy="1103965"/>
         </a:xfrm>
         <a:prstGeom prst="chevron">
           <a:avLst/>
@@ -5370,12 +6956,12 @@
         </a:fontRef>
       </dsp:style>
       <dsp:txBody>
-        <a:bodyPr spcFirstLastPara="0" vert="horz" wrap="square" lIns="6350" tIns="6350" rIns="6350" bIns="6350" numCol="1" spcCol="1270" anchor="ctr" anchorCtr="0">
+        <a:bodyPr spcFirstLastPara="0" vert="horz" wrap="square" lIns="10160" tIns="10160" rIns="10160" bIns="10160" numCol="1" spcCol="1270" anchor="ctr" anchorCtr="0">
           <a:noAutofit/>
         </a:bodyPr>
         <a:lstStyle/>
         <a:p>
-          <a:pPr lvl="0" algn="ctr" defTabSz="444500">
+          <a:pPr lvl="0" algn="ctr" defTabSz="711200">
             <a:lnSpc>
               <a:spcPct val="90000"/>
             </a:lnSpc>
@@ -5387,15 +6973,15 @@
             </a:spcAft>
           </a:pPr>
           <a:r>
-            <a:rPr lang="ru-RU" sz="1000" kern="1200" dirty="0" smtClean="0"/>
+            <a:rPr lang="ru-RU" sz="1600" kern="1200" dirty="0" smtClean="0"/>
             <a:t>Рекомендательная система</a:t>
           </a:r>
-          <a:endParaRPr lang="ru-RU" sz="1000" kern="1200" dirty="0"/>
+          <a:endParaRPr lang="ru-RU" sz="1600" kern="1200" dirty="0"/>
         </a:p>
       </dsp:txBody>
       <dsp:txXfrm rot="-5400000">
-        <a:off x="0" y="3323167"/>
-        <a:ext cx="1105044" cy="473590"/>
+        <a:off x="2" y="3322047"/>
+        <a:ext cx="1103965" cy="473128"/>
       </dsp:txXfrm>
     </dsp:sp>
     <dsp:sp modelId="{D4E21C4E-C8CC-4368-A443-8D28CC65C15A}">
@@ -5405,8 +6991,8 @@
       </dsp:nvSpPr>
       <dsp:spPr>
         <a:xfrm rot="5400000">
-          <a:off x="5297265" y="-1421576"/>
-          <a:ext cx="1026112" cy="9410555"/>
+          <a:off x="5297227" y="-1423197"/>
+          <a:ext cx="1025110" cy="9411634"/>
         </a:xfrm>
         <a:prstGeom prst="round2SameRect">
           <a:avLst/>
@@ -5491,8 +7077,8 @@
         </a:p>
       </dsp:txBody>
       <dsp:txXfrm rot="-5400000">
-        <a:off x="1105044" y="2820736"/>
-        <a:ext cx="9360464" cy="925930"/>
+        <a:off x="1103965" y="2820107"/>
+        <a:ext cx="9361592" cy="925026"/>
       </dsp:txXfrm>
     </dsp:sp>
   </dsp:spTree>
@@ -5514,8 +7100,8 @@
       </dsp:nvSpPr>
       <dsp:spPr>
         <a:xfrm rot="5400000">
-          <a:off x="-236795" y="238852"/>
-          <a:ext cx="1578634" cy="1105044"/>
+          <a:off x="-236563" y="240744"/>
+          <a:ext cx="1577093" cy="1103965"/>
         </a:xfrm>
         <a:prstGeom prst="chevron">
           <a:avLst/>
@@ -5557,12 +7143,12 @@
         </a:fontRef>
       </dsp:style>
       <dsp:txBody>
-        <a:bodyPr spcFirstLastPara="0" vert="horz" wrap="square" lIns="8255" tIns="8255" rIns="8255" bIns="8255" numCol="1" spcCol="1270" anchor="ctr" anchorCtr="0">
+        <a:bodyPr spcFirstLastPara="0" vert="horz" wrap="square" lIns="10160" tIns="10160" rIns="10160" bIns="10160" numCol="1" spcCol="1270" anchor="ctr" anchorCtr="0">
           <a:noAutofit/>
         </a:bodyPr>
         <a:lstStyle/>
         <a:p>
-          <a:pPr lvl="0" algn="ctr" defTabSz="577850">
+          <a:pPr lvl="0" algn="ctr" defTabSz="711200">
             <a:lnSpc>
               <a:spcPct val="90000"/>
             </a:lnSpc>
@@ -5574,15 +7160,32 @@
             </a:spcAft>
           </a:pPr>
           <a:r>
-            <a:rPr lang="ru-RU" sz="1300" kern="1200" dirty="0" smtClean="0"/>
-            <a:t>Обработка данных</a:t>
+            <a:rPr lang="ru-RU" sz="1600" kern="1200" dirty="0" smtClean="0"/>
+            <a:t>Работа с </a:t>
           </a:r>
-          <a:endParaRPr lang="ru-RU" sz="1300" kern="1200" dirty="0"/>
+        </a:p>
+        <a:p>
+          <a:pPr lvl="0" algn="ctr" defTabSz="711200">
+            <a:lnSpc>
+              <a:spcPct val="90000"/>
+            </a:lnSpc>
+            <a:spcBef>
+              <a:spcPct val="0"/>
+            </a:spcBef>
+            <a:spcAft>
+              <a:spcPct val="35000"/>
+            </a:spcAft>
+          </a:pPr>
+          <a:r>
+            <a:rPr lang="ru-RU" sz="1600" kern="1200" dirty="0" smtClean="0"/>
+            <a:t>данными</a:t>
+          </a:r>
+          <a:endParaRPr lang="ru-RU" sz="1600" kern="1200" dirty="0"/>
         </a:p>
       </dsp:txBody>
       <dsp:txXfrm rot="-5400000">
-        <a:off x="0" y="554579"/>
-        <a:ext cx="1105044" cy="473590"/>
+        <a:off x="2" y="556163"/>
+        <a:ext cx="1103965" cy="473128"/>
       </dsp:txXfrm>
     </dsp:sp>
     <dsp:sp modelId="{CB679D17-54DF-4CF2-9D6D-29F1F12853FD}">
@@ -5592,8 +7195,8 @@
       </dsp:nvSpPr>
       <dsp:spPr>
         <a:xfrm rot="5400000">
-          <a:off x="5297265" y="-4190163"/>
-          <a:ext cx="1026112" cy="9410555"/>
+          <a:off x="5296957" y="-4188812"/>
+          <a:ext cx="1025649" cy="9411634"/>
         </a:xfrm>
         <a:prstGeom prst="round2SameRect">
           <a:avLst/>
@@ -5634,12 +7237,12 @@
         <a:fontRef idx="minor"/>
       </dsp:style>
       <dsp:txBody>
-        <a:bodyPr spcFirstLastPara="0" vert="horz" wrap="square" lIns="199136" tIns="17780" rIns="17780" bIns="17780" numCol="1" spcCol="1270" anchor="ctr" anchorCtr="0">
+        <a:bodyPr spcFirstLastPara="0" vert="horz" wrap="square" lIns="99568" tIns="8890" rIns="8890" bIns="8890" numCol="1" spcCol="1270" anchor="ctr" anchorCtr="0">
           <a:noAutofit/>
         </a:bodyPr>
         <a:lstStyle/>
         <a:p>
-          <a:pPr marL="285750" lvl="1" indent="-285750" algn="l" defTabSz="1244600">
+          <a:pPr marL="114300" lvl="1" indent="-114300" algn="l" defTabSz="622300">
             <a:lnSpc>
               <a:spcPct val="90000"/>
             </a:lnSpc>
@@ -5652,13 +7255,13 @@
             <a:buChar char="••"/>
           </a:pPr>
           <a:r>
-            <a:rPr lang="ru-RU" sz="2800" kern="1200" dirty="0" smtClean="0"/>
-            <a:t>Преобразование категориальных параметров в числовые</a:t>
+            <a:rPr lang="ru-RU" sz="1400" kern="1200" dirty="0" smtClean="0"/>
+            <a:t>Поиск данных</a:t>
           </a:r>
-          <a:endParaRPr lang="ru-RU" sz="2800" kern="1200" dirty="0"/>
+          <a:endParaRPr lang="ru-RU" sz="1400" kern="1200" dirty="0"/>
         </a:p>
         <a:p>
-          <a:pPr marL="285750" lvl="1" indent="-285750" algn="l" defTabSz="1244600">
+          <a:pPr marL="114300" lvl="1" indent="-114300" algn="l" defTabSz="622300">
             <a:lnSpc>
               <a:spcPct val="90000"/>
             </a:lnSpc>
@@ -5671,15 +7274,34 @@
             <a:buChar char="••"/>
           </a:pPr>
           <a:r>
-            <a:rPr lang="ru-RU" sz="2800" kern="1200" dirty="0" smtClean="0"/>
-            <a:t>Извлечение признаков</a:t>
+            <a:rPr lang="ru-RU" sz="1400" kern="1200" dirty="0" smtClean="0"/>
+            <a:t>Сбор данных</a:t>
           </a:r>
-          <a:endParaRPr lang="ru-RU" sz="2800" kern="1200" dirty="0"/>
+          <a:endParaRPr lang="ru-RU" sz="1400" kern="1200" dirty="0"/>
+        </a:p>
+        <a:p>
+          <a:pPr marL="114300" lvl="1" indent="-114300" algn="l" defTabSz="622300">
+            <a:lnSpc>
+              <a:spcPct val="90000"/>
+            </a:lnSpc>
+            <a:spcBef>
+              <a:spcPct val="0"/>
+            </a:spcBef>
+            <a:spcAft>
+              <a:spcPct val="15000"/>
+            </a:spcAft>
+            <a:buChar char="••"/>
+          </a:pPr>
+          <a:r>
+            <a:rPr lang="ru-RU" sz="1400" kern="1200" dirty="0" smtClean="0"/>
+            <a:t>Объединение данных в один профиль</a:t>
+          </a:r>
+          <a:endParaRPr lang="ru-RU" sz="1400" kern="1200" dirty="0"/>
         </a:p>
       </dsp:txBody>
       <dsp:txXfrm rot="-5400000">
-        <a:off x="1105044" y="52149"/>
-        <a:ext cx="9360464" cy="925930"/>
+        <a:off x="1103965" y="54248"/>
+        <a:ext cx="9361566" cy="925513"/>
       </dsp:txXfrm>
     </dsp:sp>
     <dsp:sp modelId="{98704DC2-66A2-489A-8E99-BBD1778CF9A5}">
@@ -5689,8 +7311,8 @@
       </dsp:nvSpPr>
       <dsp:spPr>
         <a:xfrm rot="5400000">
-          <a:off x="-236795" y="1623146"/>
-          <a:ext cx="1578634" cy="1105044"/>
+          <a:off x="-236563" y="1623686"/>
+          <a:ext cx="1577093" cy="1103965"/>
         </a:xfrm>
         <a:prstGeom prst="chevron">
           <a:avLst/>
@@ -5732,12 +7354,12 @@
         </a:fontRef>
       </dsp:style>
       <dsp:txBody>
-        <a:bodyPr spcFirstLastPara="0" vert="horz" wrap="square" lIns="8255" tIns="8255" rIns="8255" bIns="8255" numCol="1" spcCol="1270" anchor="ctr" anchorCtr="0">
+        <a:bodyPr spcFirstLastPara="0" vert="horz" wrap="square" lIns="10160" tIns="10160" rIns="10160" bIns="10160" numCol="1" spcCol="1270" anchor="ctr" anchorCtr="0">
           <a:noAutofit/>
         </a:bodyPr>
         <a:lstStyle/>
         <a:p>
-          <a:pPr lvl="0" algn="ctr" defTabSz="577850">
+          <a:pPr lvl="0" algn="ctr" defTabSz="711200">
             <a:lnSpc>
               <a:spcPct val="90000"/>
             </a:lnSpc>
@@ -5749,15 +7371,15 @@
             </a:spcAft>
           </a:pPr>
           <a:r>
-            <a:rPr lang="ru-RU" sz="1300" kern="1200" dirty="0" smtClean="0"/>
-            <a:t>Обучение модели</a:t>
+            <a:rPr lang="ru-RU" sz="1600" kern="1200" dirty="0" smtClean="0"/>
+            <a:t>Анализ</a:t>
           </a:r>
-          <a:endParaRPr lang="ru-RU" sz="1300" kern="1200" dirty="0"/>
+          <a:endParaRPr lang="ru-RU" sz="1600" kern="1200" dirty="0"/>
         </a:p>
       </dsp:txBody>
       <dsp:txXfrm rot="-5400000">
-        <a:off x="0" y="1938873"/>
-        <a:ext cx="1105044" cy="473590"/>
+        <a:off x="2" y="1939105"/>
+        <a:ext cx="1103965" cy="473128"/>
       </dsp:txXfrm>
     </dsp:sp>
     <dsp:sp modelId="{5E949AD1-DF13-48E7-8FF9-B97D183DDD80}">
@@ -5767,8 +7389,8 @@
       </dsp:nvSpPr>
       <dsp:spPr>
         <a:xfrm rot="5400000">
-          <a:off x="5297265" y="-2805869"/>
-          <a:ext cx="1026112" cy="9410555"/>
+          <a:off x="5297227" y="-2806139"/>
+          <a:ext cx="1025110" cy="9411634"/>
         </a:xfrm>
         <a:prstGeom prst="round2SameRect">
           <a:avLst/>
@@ -5809,12 +7431,12 @@
         <a:fontRef idx="minor"/>
       </dsp:style>
       <dsp:txBody>
-        <a:bodyPr spcFirstLastPara="0" vert="horz" wrap="square" lIns="199136" tIns="17780" rIns="17780" bIns="17780" numCol="1" spcCol="1270" anchor="ctr" anchorCtr="0">
+        <a:bodyPr spcFirstLastPara="0" vert="horz" wrap="square" lIns="99568" tIns="8890" rIns="8890" bIns="8890" numCol="1" spcCol="1270" anchor="ctr" anchorCtr="0">
           <a:noAutofit/>
         </a:bodyPr>
         <a:lstStyle/>
         <a:p>
-          <a:pPr marL="285750" lvl="1" indent="-285750" algn="l" defTabSz="1244600">
+          <a:pPr marL="114300" lvl="1" indent="-114300" algn="l" defTabSz="622300">
             <a:lnSpc>
               <a:spcPct val="90000"/>
             </a:lnSpc>
@@ -5827,13 +7449,13 @@
             <a:buChar char="••"/>
           </a:pPr>
           <a:r>
-            <a:rPr lang="ru-RU" sz="2800" kern="1200" dirty="0" smtClean="0"/>
-            <a:t>Метод опорных векторов для одного класса</a:t>
+            <a:rPr lang="ru-RU" sz="1400" kern="1200" dirty="0" smtClean="0"/>
+            <a:t>Анализ структуры данных (кластеризация)</a:t>
           </a:r>
-          <a:endParaRPr lang="ru-RU" sz="2800" kern="1200" dirty="0"/>
+          <a:endParaRPr lang="ru-RU" sz="1400" kern="1200" dirty="0"/>
         </a:p>
         <a:p>
-          <a:pPr marL="285750" lvl="1" indent="-285750" algn="l" defTabSz="1244600">
+          <a:pPr marL="114300" lvl="1" indent="-114300" algn="l" defTabSz="622300">
             <a:lnSpc>
               <a:spcPct val="90000"/>
             </a:lnSpc>
@@ -5846,15 +7468,53 @@
             <a:buChar char="••"/>
           </a:pPr>
           <a:r>
-            <a:rPr lang="ru-RU" sz="2800" kern="1200" dirty="0" smtClean="0"/>
-            <a:t>Изолирующий лес</a:t>
+            <a:rPr lang="ru-RU" sz="1400" kern="1200" dirty="0" smtClean="0"/>
+            <a:t>Отбор признаков</a:t>
           </a:r>
-          <a:endParaRPr lang="ru-RU" sz="2800" kern="1200" dirty="0"/>
+          <a:endParaRPr lang="ru-RU" sz="1400" kern="1200" dirty="0"/>
+        </a:p>
+        <a:p>
+          <a:pPr marL="114300" lvl="1" indent="-114300" algn="l" defTabSz="622300">
+            <a:lnSpc>
+              <a:spcPct val="90000"/>
+            </a:lnSpc>
+            <a:spcBef>
+              <a:spcPct val="0"/>
+            </a:spcBef>
+            <a:spcAft>
+              <a:spcPct val="15000"/>
+            </a:spcAft>
+            <a:buChar char="••"/>
+          </a:pPr>
+          <a:r>
+            <a:rPr lang="ru-RU" sz="1400" kern="1200" dirty="0" smtClean="0"/>
+            <a:t>Разметка данных</a:t>
+          </a:r>
+          <a:endParaRPr lang="ru-RU" sz="1400" kern="1200" dirty="0"/>
+        </a:p>
+        <a:p>
+          <a:pPr marL="114300" lvl="1" indent="-114300" algn="l" defTabSz="622300">
+            <a:lnSpc>
+              <a:spcPct val="90000"/>
+            </a:lnSpc>
+            <a:spcBef>
+              <a:spcPct val="0"/>
+            </a:spcBef>
+            <a:spcAft>
+              <a:spcPct val="15000"/>
+            </a:spcAft>
+            <a:buChar char="••"/>
+          </a:pPr>
+          <a:r>
+            <a:rPr lang="ru-RU" sz="1400" kern="1200" dirty="0" smtClean="0"/>
+            <a:t>Алгоритм построения траекторий (рекомендаций)</a:t>
+          </a:r>
+          <a:endParaRPr lang="ru-RU" sz="1400" kern="1200" dirty="0"/>
         </a:p>
       </dsp:txBody>
       <dsp:txXfrm rot="-5400000">
-        <a:off x="1105044" y="1436443"/>
-        <a:ext cx="9360464" cy="925930"/>
+        <a:off x="1103965" y="1437165"/>
+        <a:ext cx="9361592" cy="925026"/>
       </dsp:txXfrm>
     </dsp:sp>
     <dsp:sp modelId="{56FC8418-9102-490E-9D45-D45F450F6169}">
@@ -5864,8 +7524,8 @@
       </dsp:nvSpPr>
       <dsp:spPr>
         <a:xfrm rot="5400000">
-          <a:off x="-236795" y="3007440"/>
-          <a:ext cx="1578634" cy="1105044"/>
+          <a:off x="-236563" y="3006628"/>
+          <a:ext cx="1577093" cy="1103965"/>
         </a:xfrm>
         <a:prstGeom prst="chevron">
           <a:avLst/>
@@ -5907,12 +7567,12 @@
         </a:fontRef>
       </dsp:style>
       <dsp:txBody>
-        <a:bodyPr spcFirstLastPara="0" vert="horz" wrap="square" lIns="8255" tIns="8255" rIns="8255" bIns="8255" numCol="1" spcCol="1270" anchor="ctr" anchorCtr="0">
+        <a:bodyPr spcFirstLastPara="0" vert="horz" wrap="square" lIns="10160" tIns="10160" rIns="10160" bIns="10160" numCol="1" spcCol="1270" anchor="ctr" anchorCtr="0">
           <a:noAutofit/>
         </a:bodyPr>
         <a:lstStyle/>
         <a:p>
-          <a:pPr lvl="0" algn="ctr" defTabSz="577850">
+          <a:pPr lvl="0" algn="ctr" defTabSz="711200">
             <a:lnSpc>
               <a:spcPct val="90000"/>
             </a:lnSpc>
@@ -5924,15 +7584,15 @@
             </a:spcAft>
           </a:pPr>
           <a:r>
-            <a:rPr lang="ru-RU" sz="1300" kern="1200" dirty="0" smtClean="0"/>
-            <a:t>Интерпретация</a:t>
+            <a:rPr lang="ru-RU" sz="1600" kern="1200" dirty="0" smtClean="0"/>
+            <a:t>Проверка</a:t>
           </a:r>
-          <a:endParaRPr lang="ru-RU" sz="1300" kern="1200" dirty="0"/>
+          <a:endParaRPr lang="ru-RU" sz="1600" kern="1200" dirty="0"/>
         </a:p>
       </dsp:txBody>
       <dsp:txXfrm rot="-5400000">
-        <a:off x="0" y="3323167"/>
-        <a:ext cx="1105044" cy="473590"/>
+        <a:off x="2" y="3322047"/>
+        <a:ext cx="1103965" cy="473128"/>
       </dsp:txXfrm>
     </dsp:sp>
     <dsp:sp modelId="{D4E21C4E-C8CC-4368-A443-8D28CC65C15A}">
@@ -5942,8 +7602,8 @@
       </dsp:nvSpPr>
       <dsp:spPr>
         <a:xfrm rot="5400000">
-          <a:off x="5297265" y="-1421576"/>
-          <a:ext cx="1026112" cy="9410555"/>
+          <a:off x="5297227" y="-1423197"/>
+          <a:ext cx="1025110" cy="9411634"/>
         </a:xfrm>
         <a:prstGeom prst="round2SameRect">
           <a:avLst/>
@@ -5984,12 +7644,12 @@
         <a:fontRef idx="minor"/>
       </dsp:style>
       <dsp:txBody>
-        <a:bodyPr spcFirstLastPara="0" vert="horz" wrap="square" lIns="199136" tIns="17780" rIns="17780" bIns="17780" numCol="1" spcCol="1270" anchor="ctr" anchorCtr="0">
+        <a:bodyPr spcFirstLastPara="0" vert="horz" wrap="square" lIns="99568" tIns="8890" rIns="8890" bIns="8890" numCol="1" spcCol="1270" anchor="ctr" anchorCtr="0">
           <a:noAutofit/>
         </a:bodyPr>
         <a:lstStyle/>
         <a:p>
-          <a:pPr marL="285750" lvl="1" indent="-285750" algn="l" defTabSz="1244600">
+          <a:pPr marL="114300" lvl="1" indent="-114300" algn="l" defTabSz="622300">
             <a:lnSpc>
               <a:spcPct val="90000"/>
             </a:lnSpc>
@@ -6002,13 +7662,13 @@
             <a:buChar char="••"/>
           </a:pPr>
           <a:r>
-            <a:rPr lang="ru-RU" sz="2800" kern="1200" dirty="0" smtClean="0"/>
-            <a:t>Экспертный подход</a:t>
+            <a:rPr lang="ru-RU" sz="1400" kern="1200" dirty="0" smtClean="0"/>
+            <a:t>Онлайн-обучение</a:t>
           </a:r>
-          <a:endParaRPr lang="ru-RU" sz="2800" kern="1200" dirty="0"/>
+          <a:endParaRPr lang="ru-RU" sz="1400" kern="1200" dirty="0"/>
         </a:p>
         <a:p>
-          <a:pPr marL="285750" lvl="1" indent="-285750" algn="l" defTabSz="1244600">
+          <a:pPr marL="114300" lvl="1" indent="-114300" algn="l" defTabSz="622300">
             <a:lnSpc>
               <a:spcPct val="90000"/>
             </a:lnSpc>
@@ -6021,21 +7681,29 @@
             <a:buChar char="••"/>
           </a:pPr>
           <a:r>
-            <a:rPr lang="en-US" sz="2800" kern="1200" dirty="0" smtClean="0"/>
-            <a:t>SHAP (Shapley Additive exPlanation)</a:t>
+            <a:rPr lang="ru-RU" sz="1400" kern="1200" dirty="0" smtClean="0"/>
+            <a:t>Сбор и анализ статистики работы</a:t>
           </a:r>
-          <a:r>
-            <a:rPr lang="ru-RU" sz="2800" kern="1200" dirty="0" smtClean="0"/>
-            <a:t> значения</a:t>
-          </a:r>
-          <a:endParaRPr lang="ru-RU" sz="2800" kern="1200" dirty="0"/>
+          <a:endParaRPr lang="ru-RU" sz="1400" kern="1200" dirty="0"/>
         </a:p>
       </dsp:txBody>
       <dsp:txXfrm rot="-5400000">
-        <a:off x="1105044" y="2820736"/>
-        <a:ext cx="9360464" cy="925930"/>
+        <a:off x="1103965" y="2820107"/>
+        <a:ext cx="9361592" cy="925026"/>
       </dsp:txXfrm>
     </dsp:sp>
+  </dsp:spTree>
+</dsp:drawing>
+</file>
+
+<file path=ppt/diagrams/drawing4.xml><?xml version="1.0" encoding="utf-8"?>
+<dsp:drawing xmlns:dgm="http://schemas.openxmlformats.org/drawingml/2006/diagram" xmlns:dsp="http://schemas.microsoft.com/office/drawing/2008/diagram" xmlns:a="http://schemas.openxmlformats.org/drawingml/2006/main">
+  <dsp:spTree>
+    <dsp:nvGrpSpPr>
+      <dsp:cNvPr id="0" name=""/>
+      <dsp:cNvGrpSpPr/>
+    </dsp:nvGrpSpPr>
+    <dsp:grpSpPr/>
   </dsp:spTree>
 </dsp:drawing>
 </file>
@@ -6808,6 +8476,262 @@
 </dgm:layoutDef>
 </file>
 
+<file path=ppt/diagrams/layout4.xml><?xml version="1.0" encoding="utf-8"?>
+<dgm:layoutDef xmlns:dgm="http://schemas.openxmlformats.org/drawingml/2006/diagram" xmlns:a="http://schemas.openxmlformats.org/drawingml/2006/main" uniqueId="urn:microsoft.com/office/officeart/2005/8/layout/chevron2">
+  <dgm:title val=""/>
+  <dgm:desc val=""/>
+  <dgm:catLst>
+    <dgm:cat type="process" pri="12000"/>
+    <dgm:cat type="list" pri="16000"/>
+    <dgm:cat type="convert" pri="11000"/>
+  </dgm:catLst>
+  <dgm:sampData>
+    <dgm:dataModel>
+      <dgm:ptLst>
+        <dgm:pt modelId="0" type="doc"/>
+        <dgm:pt modelId="1">
+          <dgm:prSet phldr="1"/>
+        </dgm:pt>
+        <dgm:pt modelId="11">
+          <dgm:prSet phldr="1"/>
+        </dgm:pt>
+        <dgm:pt modelId="12">
+          <dgm:prSet phldr="1"/>
+        </dgm:pt>
+        <dgm:pt modelId="2">
+          <dgm:prSet phldr="1"/>
+        </dgm:pt>
+        <dgm:pt modelId="21">
+          <dgm:prSet phldr="1"/>
+        </dgm:pt>
+        <dgm:pt modelId="22">
+          <dgm:prSet phldr="1"/>
+        </dgm:pt>
+        <dgm:pt modelId="3">
+          <dgm:prSet phldr="1"/>
+        </dgm:pt>
+        <dgm:pt modelId="31">
+          <dgm:prSet phldr="1"/>
+        </dgm:pt>
+        <dgm:pt modelId="32">
+          <dgm:prSet phldr="1"/>
+        </dgm:pt>
+      </dgm:ptLst>
+      <dgm:cxnLst>
+        <dgm:cxn modelId="4" srcId="0" destId="1" srcOrd="0" destOrd="0"/>
+        <dgm:cxn modelId="5" srcId="0" destId="2" srcOrd="1" destOrd="0"/>
+        <dgm:cxn modelId="6" srcId="0" destId="3" srcOrd="2" destOrd="0"/>
+        <dgm:cxn modelId="13" srcId="1" destId="11" srcOrd="0" destOrd="0"/>
+        <dgm:cxn modelId="14" srcId="1" destId="12" srcOrd="1" destOrd="0"/>
+        <dgm:cxn modelId="23" srcId="2" destId="21" srcOrd="0" destOrd="0"/>
+        <dgm:cxn modelId="24" srcId="2" destId="22" srcOrd="1" destOrd="0"/>
+        <dgm:cxn modelId="33" srcId="3" destId="31" srcOrd="0" destOrd="0"/>
+        <dgm:cxn modelId="34" srcId="3" destId="32" srcOrd="1" destOrd="0"/>
+      </dgm:cxnLst>
+      <dgm:bg/>
+      <dgm:whole/>
+    </dgm:dataModel>
+  </dgm:sampData>
+  <dgm:styleData>
+    <dgm:dataModel>
+      <dgm:ptLst>
+        <dgm:pt modelId="0" type="doc"/>
+        <dgm:pt modelId="1"/>
+      </dgm:ptLst>
+      <dgm:cxnLst>
+        <dgm:cxn modelId="4" srcId="0" destId="1" srcOrd="0" destOrd="0"/>
+      </dgm:cxnLst>
+      <dgm:bg/>
+      <dgm:whole/>
+    </dgm:dataModel>
+  </dgm:styleData>
+  <dgm:clrData>
+    <dgm:dataModel>
+      <dgm:ptLst>
+        <dgm:pt modelId="0" type="doc"/>
+        <dgm:pt modelId="1"/>
+        <dgm:pt modelId="11"/>
+        <dgm:pt modelId="2"/>
+        <dgm:pt modelId="21"/>
+        <dgm:pt modelId="3"/>
+        <dgm:pt modelId="31"/>
+        <dgm:pt modelId="4"/>
+        <dgm:pt modelId="41"/>
+      </dgm:ptLst>
+      <dgm:cxnLst>
+        <dgm:cxn modelId="5" srcId="0" destId="1" srcOrd="0" destOrd="0"/>
+        <dgm:cxn modelId="6" srcId="0" destId="2" srcOrd="1" destOrd="0"/>
+        <dgm:cxn modelId="7" srcId="0" destId="3" srcOrd="2" destOrd="0"/>
+        <dgm:cxn modelId="8" srcId="0" destId="4" srcOrd="3" destOrd="0"/>
+        <dgm:cxn modelId="13" srcId="1" destId="11" srcOrd="0" destOrd="0"/>
+        <dgm:cxn modelId="23" srcId="2" destId="21" srcOrd="0" destOrd="0"/>
+        <dgm:cxn modelId="33" srcId="3" destId="31" srcOrd="0" destOrd="0"/>
+        <dgm:cxn modelId="43" srcId="4" destId="41" srcOrd="0" destOrd="0"/>
+      </dgm:cxnLst>
+      <dgm:bg/>
+      <dgm:whole/>
+    </dgm:dataModel>
+  </dgm:clrData>
+  <dgm:layoutNode name="linearFlow">
+    <dgm:varLst>
+      <dgm:dir/>
+      <dgm:animLvl val="lvl"/>
+      <dgm:resizeHandles val="exact"/>
+    </dgm:varLst>
+    <dgm:alg type="lin">
+      <dgm:param type="linDir" val="fromT"/>
+      <dgm:param type="nodeHorzAlign" val="l"/>
+    </dgm:alg>
+    <dgm:shape xmlns:r="http://schemas.openxmlformats.org/officeDocument/2006/relationships" r:blip="">
+      <dgm:adjLst/>
+    </dgm:shape>
+    <dgm:presOf/>
+    <dgm:constrLst>
+      <dgm:constr type="h" for="ch" forName="composite" refType="h"/>
+      <dgm:constr type="w" for="ch" forName="composite" refType="w"/>
+      <dgm:constr type="h" for="des" forName="parentText" op="equ"/>
+      <dgm:constr type="h" for="ch" forName="sp" val="-14.88"/>
+      <dgm:constr type="h" for="ch" forName="sp" refType="w" refFor="des" refForName="parentText" op="gte" fact="-0.3"/>
+      <dgm:constr type="primFontSz" for="des" forName="parentText" op="equ" val="65"/>
+      <dgm:constr type="primFontSz" for="des" forName="descendantText" op="equ" val="65"/>
+    </dgm:constrLst>
+    <dgm:ruleLst/>
+    <dgm:forEach name="Name0" axis="ch" ptType="node">
+      <dgm:layoutNode name="composite">
+        <dgm:alg type="composite"/>
+        <dgm:shape xmlns:r="http://schemas.openxmlformats.org/officeDocument/2006/relationships" r:blip="">
+          <dgm:adjLst/>
+        </dgm:shape>
+        <dgm:presOf/>
+        <dgm:choose name="Name1">
+          <dgm:if name="Name2" func="var" arg="dir" op="equ" val="norm">
+            <dgm:constrLst>
+              <dgm:constr type="t" for="ch" forName="parentText"/>
+              <dgm:constr type="l" for="ch" forName="parentText"/>
+              <dgm:constr type="w" for="ch" forName="parentText" refType="w" fact="0.4"/>
+              <dgm:constr type="h" for="ch" forName="parentText" refType="h"/>
+              <dgm:constr type="w" for="ch" forName="parentText" refType="w" op="lte" fact="0.5"/>
+              <dgm:constr type="w" for="ch" forName="parentText" refType="h" refFor="ch" refForName="parentText" op="lte" fact="0.7"/>
+              <dgm:constr type="h" for="ch" forName="parentText" refType="w" refFor="ch" refForName="parentText" op="lte" fact="3"/>
+              <dgm:constr type="l" for="ch" forName="descendantText" refType="w" refFor="ch" refForName="parentText"/>
+              <dgm:constr type="w" for="ch" forName="descendantText" refType="w"/>
+              <dgm:constr type="wOff" for="ch" forName="descendantText" refType="w" refFor="ch" refForName="parentText" fact="-1"/>
+              <dgm:constr type="t" for="ch" forName="descendantText"/>
+              <dgm:constr type="b" for="ch" forName="descendantText" refType="h" refFor="ch" refForName="parentText"/>
+              <dgm:constr type="bOff" for="ch" forName="descendantText" refType="w" refFor="ch" refForName="parentText" fact="-0.5"/>
+            </dgm:constrLst>
+          </dgm:if>
+          <dgm:else name="Name3">
+            <dgm:constrLst>
+              <dgm:constr type="t" for="ch" forName="parentText"/>
+              <dgm:constr type="r" for="ch" forName="parentText" refType="w"/>
+              <dgm:constr type="w" for="ch" forName="parentText" refType="w" fact="0.4"/>
+              <dgm:constr type="h" for="ch" forName="parentText" refType="h"/>
+              <dgm:constr type="w" for="ch" forName="parentText" refType="w" op="lte" fact="0.5"/>
+              <dgm:constr type="w" for="ch" forName="parentText" refType="h" refFor="ch" refForName="parentText" op="lte" fact="0.7"/>
+              <dgm:constr type="h" for="ch" forName="parentText" refType="w" refFor="ch" refForName="parentText" op="lte" fact="3"/>
+              <dgm:constr type="l" for="ch" forName="descendantText"/>
+              <dgm:constr type="w" for="ch" forName="descendantText" refType="w"/>
+              <dgm:constr type="wOff" for="ch" forName="descendantText" refType="w" refFor="ch" refForName="parentText" fact="-1"/>
+              <dgm:constr type="t" for="ch" forName="descendantText"/>
+              <dgm:constr type="b" for="ch" forName="descendantText" refType="h" refFor="ch" refForName="parentText"/>
+              <dgm:constr type="bOff" for="ch" forName="descendantText" refType="w" refFor="ch" refForName="parentText" fact="-0.5"/>
+            </dgm:constrLst>
+          </dgm:else>
+        </dgm:choose>
+        <dgm:ruleLst/>
+        <dgm:layoutNode name="parentText" styleLbl="alignNode1">
+          <dgm:varLst>
+            <dgm:chMax val="1"/>
+            <dgm:bulletEnabled val="1"/>
+          </dgm:varLst>
+          <dgm:alg type="tx"/>
+          <dgm:shape xmlns:r="http://schemas.openxmlformats.org/officeDocument/2006/relationships" rot="90" type="chevron" r:blip="">
+            <dgm:adjLst/>
+          </dgm:shape>
+          <dgm:presOf axis="self" ptType="node"/>
+          <dgm:constrLst>
+            <dgm:constr type="lMarg" refType="primFontSz" fact="0.05"/>
+            <dgm:constr type="rMarg" refType="primFontSz" fact="0.05"/>
+            <dgm:constr type="tMarg" refType="primFontSz" fact="0.05"/>
+            <dgm:constr type="bMarg" refType="primFontSz" fact="0.05"/>
+          </dgm:constrLst>
+          <dgm:ruleLst>
+            <dgm:rule type="h" val="100" fact="NaN" max="NaN"/>
+            <dgm:rule type="primFontSz" val="24" fact="NaN" max="NaN"/>
+            <dgm:rule type="h" val="110" fact="NaN" max="NaN"/>
+            <dgm:rule type="primFontSz" val="18" fact="NaN" max="NaN"/>
+            <dgm:rule type="h" val="INF" fact="NaN" max="NaN"/>
+            <dgm:rule type="primFontSz" val="5" fact="NaN" max="NaN"/>
+          </dgm:ruleLst>
+        </dgm:layoutNode>
+        <dgm:layoutNode name="descendantText" styleLbl="alignAcc1">
+          <dgm:varLst>
+            <dgm:bulletEnabled val="1"/>
+          </dgm:varLst>
+          <dgm:choose name="Name4">
+            <dgm:if name="Name5" func="var" arg="dir" op="equ" val="norm">
+              <dgm:alg type="tx">
+                <dgm:param type="stBulletLvl" val="1"/>
+                <dgm:param type="txAnchorVertCh" val="mid"/>
+              </dgm:alg>
+              <dgm:shape xmlns:r="http://schemas.openxmlformats.org/officeDocument/2006/relationships" rot="90" type="round2SameRect" r:blip="">
+                <dgm:adjLst/>
+              </dgm:shape>
+            </dgm:if>
+            <dgm:else name="Name6">
+              <dgm:alg type="tx">
+                <dgm:param type="stBulletLvl" val="1"/>
+                <dgm:param type="txAnchorVertCh" val="mid"/>
+              </dgm:alg>
+              <dgm:shape xmlns:r="http://schemas.openxmlformats.org/officeDocument/2006/relationships" rot="-90" type="round2SameRect" r:blip="">
+                <dgm:adjLst/>
+              </dgm:shape>
+            </dgm:else>
+          </dgm:choose>
+          <dgm:presOf axis="des" ptType="node"/>
+          <dgm:choose name="Name7">
+            <dgm:if name="Name8" func="var" arg="dir" op="equ" val="norm">
+              <dgm:constrLst>
+                <dgm:constr type="secFontSz" refType="primFontSz"/>
+                <dgm:constr type="tMarg" refType="primFontSz" fact="0.05"/>
+                <dgm:constr type="bMarg" refType="primFontSz" fact="0.05"/>
+                <dgm:constr type="rMarg" refType="primFontSz" fact="0.05"/>
+              </dgm:constrLst>
+            </dgm:if>
+            <dgm:else name="Name9">
+              <dgm:constrLst>
+                <dgm:constr type="secFontSz" refType="primFontSz"/>
+                <dgm:constr type="tMarg" refType="primFontSz" fact="0.05"/>
+                <dgm:constr type="bMarg" refType="primFontSz" fact="0.05"/>
+                <dgm:constr type="lMarg" refType="primFontSz" fact="0.05"/>
+              </dgm:constrLst>
+            </dgm:else>
+          </dgm:choose>
+          <dgm:ruleLst>
+            <dgm:rule type="primFontSz" val="5" fact="NaN" max="NaN"/>
+          </dgm:ruleLst>
+        </dgm:layoutNode>
+      </dgm:layoutNode>
+      <dgm:forEach name="Name10" axis="followSib" ptType="sibTrans" cnt="1">
+        <dgm:layoutNode name="sp">
+          <dgm:alg type="sp"/>
+          <dgm:shape xmlns:r="http://schemas.openxmlformats.org/officeDocument/2006/relationships" r:blip="">
+            <dgm:adjLst/>
+          </dgm:shape>
+          <dgm:presOf axis="self"/>
+          <dgm:constrLst>
+            <dgm:constr type="w" val="1"/>
+            <dgm:constr type="h" val="37.5"/>
+          </dgm:constrLst>
+          <dgm:ruleLst/>
+        </dgm:layoutNode>
+      </dgm:forEach>
+    </dgm:forEach>
+  </dgm:layoutNode>
+</dgm:layoutDef>
+</file>
+
 <file path=ppt/diagrams/quickStyle1.xml><?xml version="1.0" encoding="utf-8"?>
 <dgm:styleDef xmlns:dgm="http://schemas.openxmlformats.org/drawingml/2006/diagram" xmlns:a="http://schemas.openxmlformats.org/drawingml/2006/main" uniqueId="urn:microsoft.com/office/officeart/2005/8/quickstyle/simple1">
   <dgm:title val=""/>
@@ -8877,6 +10801,1040 @@
 </file>
 
 <file path=ppt/diagrams/quickStyle3.xml><?xml version="1.0" encoding="utf-8"?>
+<dgm:styleDef xmlns:dgm="http://schemas.openxmlformats.org/drawingml/2006/diagram" xmlns:a="http://schemas.openxmlformats.org/drawingml/2006/main" uniqueId="urn:microsoft.com/office/officeart/2005/8/quickstyle/simple1">
+  <dgm:title val=""/>
+  <dgm:desc val=""/>
+  <dgm:catLst>
+    <dgm:cat type="simple" pri="10100"/>
+  </dgm:catLst>
+  <dgm:scene3d>
+    <a:camera prst="orthographicFront"/>
+    <a:lightRig rig="threePt" dir="t"/>
+  </dgm:scene3d>
+  <dgm:styleLbl name="node0">
+    <dgm:scene3d>
+      <a:camera prst="orthographicFront"/>
+      <a:lightRig rig="threePt" dir="t"/>
+    </dgm:scene3d>
+    <dgm:sp3d/>
+    <dgm:txPr/>
+    <dgm:style>
+      <a:lnRef idx="2">
+        <a:scrgbClr r="0" g="0" b="0"/>
+      </a:lnRef>
+      <a:fillRef idx="1">
+        <a:scrgbClr r="0" g="0" b="0"/>
+      </a:fillRef>
+      <a:effectRef idx="0">
+        <a:scrgbClr r="0" g="0" b="0"/>
+      </a:effectRef>
+      <a:fontRef idx="minor">
+        <a:schemeClr val="lt1"/>
+      </a:fontRef>
+    </dgm:style>
+  </dgm:styleLbl>
+  <dgm:styleLbl name="lnNode1">
+    <dgm:scene3d>
+      <a:camera prst="orthographicFront"/>
+      <a:lightRig rig="threePt" dir="t"/>
+    </dgm:scene3d>
+    <dgm:sp3d/>
+    <dgm:txPr/>
+    <dgm:style>
+      <a:lnRef idx="2">
+        <a:scrgbClr r="0" g="0" b="0"/>
+      </a:lnRef>
+      <a:fillRef idx="1">
+        <a:scrgbClr r="0" g="0" b="0"/>
+      </a:fillRef>
+      <a:effectRef idx="0">
+        <a:scrgbClr r="0" g="0" b="0"/>
+      </a:effectRef>
+      <a:fontRef idx="minor">
+        <a:schemeClr val="lt1"/>
+      </a:fontRef>
+    </dgm:style>
+  </dgm:styleLbl>
+  <dgm:styleLbl name="vennNode1">
+    <dgm:scene3d>
+      <a:camera prst="orthographicFront"/>
+      <a:lightRig rig="threePt" dir="t"/>
+    </dgm:scene3d>
+    <dgm:sp3d/>
+    <dgm:txPr/>
+    <dgm:style>
+      <a:lnRef idx="2">
+        <a:scrgbClr r="0" g="0" b="0"/>
+      </a:lnRef>
+      <a:fillRef idx="1">
+        <a:scrgbClr r="0" g="0" b="0"/>
+      </a:fillRef>
+      <a:effectRef idx="0">
+        <a:scrgbClr r="0" g="0" b="0"/>
+      </a:effectRef>
+      <a:fontRef idx="minor">
+        <a:schemeClr val="tx1"/>
+      </a:fontRef>
+    </dgm:style>
+  </dgm:styleLbl>
+  <dgm:styleLbl name="alignNode1">
+    <dgm:scene3d>
+      <a:camera prst="orthographicFront"/>
+      <a:lightRig rig="threePt" dir="t"/>
+    </dgm:scene3d>
+    <dgm:sp3d/>
+    <dgm:txPr/>
+    <dgm:style>
+      <a:lnRef idx="2">
+        <a:scrgbClr r="0" g="0" b="0"/>
+      </a:lnRef>
+      <a:fillRef idx="1">
+        <a:scrgbClr r="0" g="0" b="0"/>
+      </a:fillRef>
+      <a:effectRef idx="0">
+        <a:scrgbClr r="0" g="0" b="0"/>
+      </a:effectRef>
+      <a:fontRef idx="minor">
+        <a:schemeClr val="lt1"/>
+      </a:fontRef>
+    </dgm:style>
+  </dgm:styleLbl>
+  <dgm:styleLbl name="node1">
+    <dgm:scene3d>
+      <a:camera prst="orthographicFront"/>
+      <a:lightRig rig="threePt" dir="t"/>
+    </dgm:scene3d>
+    <dgm:sp3d/>
+    <dgm:txPr/>
+    <dgm:style>
+      <a:lnRef idx="2">
+        <a:scrgbClr r="0" g="0" b="0"/>
+      </a:lnRef>
+      <a:fillRef idx="1">
+        <a:scrgbClr r="0" g="0" b="0"/>
+      </a:fillRef>
+      <a:effectRef idx="0">
+        <a:scrgbClr r="0" g="0" b="0"/>
+      </a:effectRef>
+      <a:fontRef idx="minor">
+        <a:schemeClr val="lt1"/>
+      </a:fontRef>
+    </dgm:style>
+  </dgm:styleLbl>
+  <dgm:styleLbl name="node2">
+    <dgm:scene3d>
+      <a:camera prst="orthographicFront"/>
+      <a:lightRig rig="threePt" dir="t"/>
+    </dgm:scene3d>
+    <dgm:sp3d/>
+    <dgm:txPr/>
+    <dgm:style>
+      <a:lnRef idx="2">
+        <a:scrgbClr r="0" g="0" b="0"/>
+      </a:lnRef>
+      <a:fillRef idx="1">
+        <a:scrgbClr r="0" g="0" b="0"/>
+      </a:fillRef>
+      <a:effectRef idx="0">
+        <a:scrgbClr r="0" g="0" b="0"/>
+      </a:effectRef>
+      <a:fontRef idx="minor">
+        <a:schemeClr val="lt1"/>
+      </a:fontRef>
+    </dgm:style>
+  </dgm:styleLbl>
+  <dgm:styleLbl name="node3">
+    <dgm:scene3d>
+      <a:camera prst="orthographicFront"/>
+      <a:lightRig rig="threePt" dir="t"/>
+    </dgm:scene3d>
+    <dgm:sp3d/>
+    <dgm:txPr/>
+    <dgm:style>
+      <a:lnRef idx="2">
+        <a:scrgbClr r="0" g="0" b="0"/>
+      </a:lnRef>
+      <a:fillRef idx="1">
+        <a:scrgbClr r="0" g="0" b="0"/>
+      </a:fillRef>
+      <a:effectRef idx="0">
+        <a:scrgbClr r="0" g="0" b="0"/>
+      </a:effectRef>
+      <a:fontRef idx="minor">
+        <a:schemeClr val="lt1"/>
+      </a:fontRef>
+    </dgm:style>
+  </dgm:styleLbl>
+  <dgm:styleLbl name="node4">
+    <dgm:scene3d>
+      <a:camera prst="orthographicFront"/>
+      <a:lightRig rig="threePt" dir="t"/>
+    </dgm:scene3d>
+    <dgm:sp3d/>
+    <dgm:txPr/>
+    <dgm:style>
+      <a:lnRef idx="2">
+        <a:scrgbClr r="0" g="0" b="0"/>
+      </a:lnRef>
+      <a:fillRef idx="1">
+        <a:scrgbClr r="0" g="0" b="0"/>
+      </a:fillRef>
+      <a:effectRef idx="0">
+        <a:scrgbClr r="0" g="0" b="0"/>
+      </a:effectRef>
+      <a:fontRef idx="minor">
+        <a:schemeClr val="lt1"/>
+      </a:fontRef>
+    </dgm:style>
+  </dgm:styleLbl>
+  <dgm:styleLbl name="fgImgPlace1">
+    <dgm:scene3d>
+      <a:camera prst="orthographicFront"/>
+      <a:lightRig rig="threePt" dir="t"/>
+    </dgm:scene3d>
+    <dgm:sp3d/>
+    <dgm:txPr/>
+    <dgm:style>
+      <a:lnRef idx="2">
+        <a:scrgbClr r="0" g="0" b="0"/>
+      </a:lnRef>
+      <a:fillRef idx="1">
+        <a:scrgbClr r="0" g="0" b="0"/>
+      </a:fillRef>
+      <a:effectRef idx="0">
+        <a:scrgbClr r="0" g="0" b="0"/>
+      </a:effectRef>
+      <a:fontRef idx="minor"/>
+    </dgm:style>
+  </dgm:styleLbl>
+  <dgm:styleLbl name="alignImgPlace1">
+    <dgm:scene3d>
+      <a:camera prst="orthographicFront"/>
+      <a:lightRig rig="threePt" dir="t"/>
+    </dgm:scene3d>
+    <dgm:sp3d/>
+    <dgm:txPr/>
+    <dgm:style>
+      <a:lnRef idx="2">
+        <a:scrgbClr r="0" g="0" b="0"/>
+      </a:lnRef>
+      <a:fillRef idx="1">
+        <a:scrgbClr r="0" g="0" b="0"/>
+      </a:fillRef>
+      <a:effectRef idx="0">
+        <a:scrgbClr r="0" g="0" b="0"/>
+      </a:effectRef>
+      <a:fontRef idx="minor"/>
+    </dgm:style>
+  </dgm:styleLbl>
+  <dgm:styleLbl name="bgImgPlace1">
+    <dgm:scene3d>
+      <a:camera prst="orthographicFront"/>
+      <a:lightRig rig="threePt" dir="t"/>
+    </dgm:scene3d>
+    <dgm:sp3d/>
+    <dgm:txPr/>
+    <dgm:style>
+      <a:lnRef idx="2">
+        <a:scrgbClr r="0" g="0" b="0"/>
+      </a:lnRef>
+      <a:fillRef idx="1">
+        <a:scrgbClr r="0" g="0" b="0"/>
+      </a:fillRef>
+      <a:effectRef idx="0">
+        <a:scrgbClr r="0" g="0" b="0"/>
+      </a:effectRef>
+      <a:fontRef idx="minor"/>
+    </dgm:style>
+  </dgm:styleLbl>
+  <dgm:styleLbl name="sibTrans2D1">
+    <dgm:scene3d>
+      <a:camera prst="orthographicFront"/>
+      <a:lightRig rig="threePt" dir="t"/>
+    </dgm:scene3d>
+    <dgm:sp3d/>
+    <dgm:txPr/>
+    <dgm:style>
+      <a:lnRef idx="0">
+        <a:scrgbClr r="0" g="0" b="0"/>
+      </a:lnRef>
+      <a:fillRef idx="1">
+        <a:scrgbClr r="0" g="0" b="0"/>
+      </a:fillRef>
+      <a:effectRef idx="0">
+        <a:scrgbClr r="0" g="0" b="0"/>
+      </a:effectRef>
+      <a:fontRef idx="minor">
+        <a:schemeClr val="lt1"/>
+      </a:fontRef>
+    </dgm:style>
+  </dgm:styleLbl>
+  <dgm:styleLbl name="fgSibTrans2D1">
+    <dgm:scene3d>
+      <a:camera prst="orthographicFront"/>
+      <a:lightRig rig="threePt" dir="t"/>
+    </dgm:scene3d>
+    <dgm:sp3d/>
+    <dgm:txPr/>
+    <dgm:style>
+      <a:lnRef idx="0">
+        <a:scrgbClr r="0" g="0" b="0"/>
+      </a:lnRef>
+      <a:fillRef idx="1">
+        <a:scrgbClr r="0" g="0" b="0"/>
+      </a:fillRef>
+      <a:effectRef idx="0">
+        <a:scrgbClr r="0" g="0" b="0"/>
+      </a:effectRef>
+      <a:fontRef idx="minor">
+        <a:schemeClr val="lt1"/>
+      </a:fontRef>
+    </dgm:style>
+  </dgm:styleLbl>
+  <dgm:styleLbl name="bgSibTrans2D1">
+    <dgm:scene3d>
+      <a:camera prst="orthographicFront"/>
+      <a:lightRig rig="threePt" dir="t"/>
+    </dgm:scene3d>
+    <dgm:sp3d/>
+    <dgm:txPr/>
+    <dgm:style>
+      <a:lnRef idx="0">
+        <a:scrgbClr r="0" g="0" b="0"/>
+      </a:lnRef>
+      <a:fillRef idx="1">
+        <a:scrgbClr r="0" g="0" b="0"/>
+      </a:fillRef>
+      <a:effectRef idx="0">
+        <a:scrgbClr r="0" g="0" b="0"/>
+      </a:effectRef>
+      <a:fontRef idx="minor">
+        <a:schemeClr val="lt1"/>
+      </a:fontRef>
+    </dgm:style>
+  </dgm:styleLbl>
+  <dgm:styleLbl name="sibTrans1D1">
+    <dgm:scene3d>
+      <a:camera prst="orthographicFront"/>
+      <a:lightRig rig="threePt" dir="t"/>
+    </dgm:scene3d>
+    <dgm:sp3d/>
+    <dgm:txPr/>
+    <dgm:style>
+      <a:lnRef idx="1">
+        <a:scrgbClr r="0" g="0" b="0"/>
+      </a:lnRef>
+      <a:fillRef idx="0">
+        <a:scrgbClr r="0" g="0" b="0"/>
+      </a:fillRef>
+      <a:effectRef idx="0">
+        <a:scrgbClr r="0" g="0" b="0"/>
+      </a:effectRef>
+      <a:fontRef idx="minor"/>
+    </dgm:style>
+  </dgm:styleLbl>
+  <dgm:styleLbl name="callout">
+    <dgm:scene3d>
+      <a:camera prst="orthographicFront"/>
+      <a:lightRig rig="threePt" dir="t"/>
+    </dgm:scene3d>
+    <dgm:sp3d/>
+    <dgm:txPr/>
+    <dgm:style>
+      <a:lnRef idx="2">
+        <a:scrgbClr r="0" g="0" b="0"/>
+      </a:lnRef>
+      <a:fillRef idx="1">
+        <a:scrgbClr r="0" g="0" b="0"/>
+      </a:fillRef>
+      <a:effectRef idx="0">
+        <a:scrgbClr r="0" g="0" b="0"/>
+      </a:effectRef>
+      <a:fontRef idx="minor"/>
+    </dgm:style>
+  </dgm:styleLbl>
+  <dgm:styleLbl name="asst0">
+    <dgm:scene3d>
+      <a:camera prst="orthographicFront"/>
+      <a:lightRig rig="threePt" dir="t"/>
+    </dgm:scene3d>
+    <dgm:sp3d/>
+    <dgm:txPr/>
+    <dgm:style>
+      <a:lnRef idx="2">
+        <a:scrgbClr r="0" g="0" b="0"/>
+      </a:lnRef>
+      <a:fillRef idx="1">
+        <a:scrgbClr r="0" g="0" b="0"/>
+      </a:fillRef>
+      <a:effectRef idx="0">
+        <a:scrgbClr r="0" g="0" b="0"/>
+      </a:effectRef>
+      <a:fontRef idx="minor">
+        <a:schemeClr val="lt1"/>
+      </a:fontRef>
+    </dgm:style>
+  </dgm:styleLbl>
+  <dgm:styleLbl name="asst1">
+    <dgm:scene3d>
+      <a:camera prst="orthographicFront"/>
+      <a:lightRig rig="threePt" dir="t"/>
+    </dgm:scene3d>
+    <dgm:sp3d/>
+    <dgm:txPr/>
+    <dgm:style>
+      <a:lnRef idx="2">
+        <a:scrgbClr r="0" g="0" b="0"/>
+      </a:lnRef>
+      <a:fillRef idx="1">
+        <a:scrgbClr r="0" g="0" b="0"/>
+      </a:fillRef>
+      <a:effectRef idx="0">
+        <a:scrgbClr r="0" g="0" b="0"/>
+      </a:effectRef>
+      <a:fontRef idx="minor">
+        <a:schemeClr val="lt1"/>
+      </a:fontRef>
+    </dgm:style>
+  </dgm:styleLbl>
+  <dgm:styleLbl name="asst2">
+    <dgm:scene3d>
+      <a:camera prst="orthographicFront"/>
+      <a:lightRig rig="threePt" dir="t"/>
+    </dgm:scene3d>
+    <dgm:sp3d/>
+    <dgm:txPr/>
+    <dgm:style>
+      <a:lnRef idx="2">
+        <a:scrgbClr r="0" g="0" b="0"/>
+      </a:lnRef>
+      <a:fillRef idx="1">
+        <a:scrgbClr r="0" g="0" b="0"/>
+      </a:fillRef>
+      <a:effectRef idx="0">
+        <a:scrgbClr r="0" g="0" b="0"/>
+      </a:effectRef>
+      <a:fontRef idx="minor">
+        <a:schemeClr val="lt1"/>
+      </a:fontRef>
+    </dgm:style>
+  </dgm:styleLbl>
+  <dgm:styleLbl name="asst3">
+    <dgm:scene3d>
+      <a:camera prst="orthographicFront"/>
+      <a:lightRig rig="threePt" dir="t"/>
+    </dgm:scene3d>
+    <dgm:sp3d/>
+    <dgm:txPr/>
+    <dgm:style>
+      <a:lnRef idx="2">
+        <a:scrgbClr r="0" g="0" b="0"/>
+      </a:lnRef>
+      <a:fillRef idx="1">
+        <a:scrgbClr r="0" g="0" b="0"/>
+      </a:fillRef>
+      <a:effectRef idx="0">
+        <a:scrgbClr r="0" g="0" b="0"/>
+      </a:effectRef>
+      <a:fontRef idx="minor">
+        <a:schemeClr val="lt1"/>
+      </a:fontRef>
+    </dgm:style>
+  </dgm:styleLbl>
+  <dgm:styleLbl name="asst4">
+    <dgm:scene3d>
+      <a:camera prst="orthographicFront"/>
+      <a:lightRig rig="threePt" dir="t"/>
+    </dgm:scene3d>
+    <dgm:sp3d/>
+    <dgm:txPr/>
+    <dgm:style>
+      <a:lnRef idx="2">
+        <a:scrgbClr r="0" g="0" b="0"/>
+      </a:lnRef>
+      <a:fillRef idx="1">
+        <a:scrgbClr r="0" g="0" b="0"/>
+      </a:fillRef>
+      <a:effectRef idx="0">
+        <a:scrgbClr r="0" g="0" b="0"/>
+      </a:effectRef>
+      <a:fontRef idx="minor">
+        <a:schemeClr val="lt1"/>
+      </a:fontRef>
+    </dgm:style>
+  </dgm:styleLbl>
+  <dgm:styleLbl name="parChTrans2D1">
+    <dgm:scene3d>
+      <a:camera prst="orthographicFront"/>
+      <a:lightRig rig="threePt" dir="t"/>
+    </dgm:scene3d>
+    <dgm:sp3d/>
+    <dgm:txPr/>
+    <dgm:style>
+      <a:lnRef idx="2">
+        <a:scrgbClr r="0" g="0" b="0"/>
+      </a:lnRef>
+      <a:fillRef idx="1">
+        <a:scrgbClr r="0" g="0" b="0"/>
+      </a:fillRef>
+      <a:effectRef idx="0">
+        <a:scrgbClr r="0" g="0" b="0"/>
+      </a:effectRef>
+      <a:fontRef idx="minor">
+        <a:schemeClr val="lt1"/>
+      </a:fontRef>
+    </dgm:style>
+  </dgm:styleLbl>
+  <dgm:styleLbl name="parChTrans2D2">
+    <dgm:scene3d>
+      <a:camera prst="orthographicFront"/>
+      <a:lightRig rig="threePt" dir="t"/>
+    </dgm:scene3d>
+    <dgm:sp3d/>
+    <dgm:txPr/>
+    <dgm:style>
+      <a:lnRef idx="2">
+        <a:scrgbClr r="0" g="0" b="0"/>
+      </a:lnRef>
+      <a:fillRef idx="1">
+        <a:scrgbClr r="0" g="0" b="0"/>
+      </a:fillRef>
+      <a:effectRef idx="0">
+        <a:scrgbClr r="0" g="0" b="0"/>
+      </a:effectRef>
+      <a:fontRef idx="minor">
+        <a:schemeClr val="lt1"/>
+      </a:fontRef>
+    </dgm:style>
+  </dgm:styleLbl>
+  <dgm:styleLbl name="parChTrans2D3">
+    <dgm:scene3d>
+      <a:camera prst="orthographicFront"/>
+      <a:lightRig rig="threePt" dir="t"/>
+    </dgm:scene3d>
+    <dgm:sp3d/>
+    <dgm:txPr/>
+    <dgm:style>
+      <a:lnRef idx="2">
+        <a:scrgbClr r="0" g="0" b="0"/>
+      </a:lnRef>
+      <a:fillRef idx="1">
+        <a:scrgbClr r="0" g="0" b="0"/>
+      </a:fillRef>
+      <a:effectRef idx="0">
+        <a:scrgbClr r="0" g="0" b="0"/>
+      </a:effectRef>
+      <a:fontRef idx="minor">
+        <a:schemeClr val="lt1"/>
+      </a:fontRef>
+    </dgm:style>
+  </dgm:styleLbl>
+  <dgm:styleLbl name="parChTrans2D4">
+    <dgm:scene3d>
+      <a:camera prst="orthographicFront"/>
+      <a:lightRig rig="threePt" dir="t"/>
+    </dgm:scene3d>
+    <dgm:sp3d/>
+    <dgm:txPr/>
+    <dgm:style>
+      <a:lnRef idx="2">
+        <a:scrgbClr r="0" g="0" b="0"/>
+      </a:lnRef>
+      <a:fillRef idx="1">
+        <a:scrgbClr r="0" g="0" b="0"/>
+      </a:fillRef>
+      <a:effectRef idx="0">
+        <a:scrgbClr r="0" g="0" b="0"/>
+      </a:effectRef>
+      <a:fontRef idx="minor">
+        <a:schemeClr val="lt1"/>
+      </a:fontRef>
+    </dgm:style>
+  </dgm:styleLbl>
+  <dgm:styleLbl name="parChTrans1D1">
+    <dgm:scene3d>
+      <a:camera prst="orthographicFront"/>
+      <a:lightRig rig="threePt" dir="t"/>
+    </dgm:scene3d>
+    <dgm:sp3d/>
+    <dgm:txPr/>
+    <dgm:style>
+      <a:lnRef idx="2">
+        <a:scrgbClr r="0" g="0" b="0"/>
+      </a:lnRef>
+      <a:fillRef idx="0">
+        <a:scrgbClr r="0" g="0" b="0"/>
+      </a:fillRef>
+      <a:effectRef idx="0">
+        <a:scrgbClr r="0" g="0" b="0"/>
+      </a:effectRef>
+      <a:fontRef idx="minor"/>
+    </dgm:style>
+  </dgm:styleLbl>
+  <dgm:styleLbl name="parChTrans1D2">
+    <dgm:scene3d>
+      <a:camera prst="orthographicFront"/>
+      <a:lightRig rig="threePt" dir="t"/>
+    </dgm:scene3d>
+    <dgm:sp3d/>
+    <dgm:txPr/>
+    <dgm:style>
+      <a:lnRef idx="2">
+        <a:scrgbClr r="0" g="0" b="0"/>
+      </a:lnRef>
+      <a:fillRef idx="0">
+        <a:scrgbClr r="0" g="0" b="0"/>
+      </a:fillRef>
+      <a:effectRef idx="0">
+        <a:scrgbClr r="0" g="0" b="0"/>
+      </a:effectRef>
+      <a:fontRef idx="minor"/>
+    </dgm:style>
+  </dgm:styleLbl>
+  <dgm:styleLbl name="parChTrans1D3">
+    <dgm:scene3d>
+      <a:camera prst="orthographicFront"/>
+      <a:lightRig rig="threePt" dir="t"/>
+    </dgm:scene3d>
+    <dgm:sp3d/>
+    <dgm:txPr/>
+    <dgm:style>
+      <a:lnRef idx="2">
+        <a:scrgbClr r="0" g="0" b="0"/>
+      </a:lnRef>
+      <a:fillRef idx="0">
+        <a:scrgbClr r="0" g="0" b="0"/>
+      </a:fillRef>
+      <a:effectRef idx="0">
+        <a:scrgbClr r="0" g="0" b="0"/>
+      </a:effectRef>
+      <a:fontRef idx="minor"/>
+    </dgm:style>
+  </dgm:styleLbl>
+  <dgm:styleLbl name="parChTrans1D4">
+    <dgm:scene3d>
+      <a:camera prst="orthographicFront"/>
+      <a:lightRig rig="threePt" dir="t"/>
+    </dgm:scene3d>
+    <dgm:sp3d/>
+    <dgm:txPr/>
+    <dgm:style>
+      <a:lnRef idx="2">
+        <a:scrgbClr r="0" g="0" b="0"/>
+      </a:lnRef>
+      <a:fillRef idx="0">
+        <a:scrgbClr r="0" g="0" b="0"/>
+      </a:fillRef>
+      <a:effectRef idx="0">
+        <a:scrgbClr r="0" g="0" b="0"/>
+      </a:effectRef>
+      <a:fontRef idx="minor"/>
+    </dgm:style>
+  </dgm:styleLbl>
+  <dgm:styleLbl name="fgAcc1">
+    <dgm:scene3d>
+      <a:camera prst="orthographicFront"/>
+      <a:lightRig rig="threePt" dir="t"/>
+    </dgm:scene3d>
+    <dgm:sp3d/>
+    <dgm:txPr/>
+    <dgm:style>
+      <a:lnRef idx="2">
+        <a:scrgbClr r="0" g="0" b="0"/>
+      </a:lnRef>
+      <a:fillRef idx="1">
+        <a:scrgbClr r="0" g="0" b="0"/>
+      </a:fillRef>
+      <a:effectRef idx="0">
+        <a:scrgbClr r="0" g="0" b="0"/>
+      </a:effectRef>
+      <a:fontRef idx="minor"/>
+    </dgm:style>
+  </dgm:styleLbl>
+  <dgm:styleLbl name="conFgAcc1">
+    <dgm:scene3d>
+      <a:camera prst="orthographicFront"/>
+      <a:lightRig rig="threePt" dir="t"/>
+    </dgm:scene3d>
+    <dgm:sp3d/>
+    <dgm:txPr/>
+    <dgm:style>
+      <a:lnRef idx="2">
+        <a:scrgbClr r="0" g="0" b="0"/>
+      </a:lnRef>
+      <a:fillRef idx="1">
+        <a:scrgbClr r="0" g="0" b="0"/>
+      </a:fillRef>
+      <a:effectRef idx="0">
+        <a:scrgbClr r="0" g="0" b="0"/>
+      </a:effectRef>
+      <a:fontRef idx="minor"/>
+    </dgm:style>
+  </dgm:styleLbl>
+  <dgm:styleLbl name="alignAcc1">
+    <dgm:scene3d>
+      <a:camera prst="orthographicFront"/>
+      <a:lightRig rig="threePt" dir="t"/>
+    </dgm:scene3d>
+    <dgm:sp3d/>
+    <dgm:txPr/>
+    <dgm:style>
+      <a:lnRef idx="2">
+        <a:scrgbClr r="0" g="0" b="0"/>
+      </a:lnRef>
+      <a:fillRef idx="1">
+        <a:scrgbClr r="0" g="0" b="0"/>
+      </a:fillRef>
+      <a:effectRef idx="0">
+        <a:scrgbClr r="0" g="0" b="0"/>
+      </a:effectRef>
+      <a:fontRef idx="minor"/>
+    </dgm:style>
+  </dgm:styleLbl>
+  <dgm:styleLbl name="trAlignAcc1">
+    <dgm:scene3d>
+      <a:camera prst="orthographicFront"/>
+      <a:lightRig rig="threePt" dir="t"/>
+    </dgm:scene3d>
+    <dgm:sp3d/>
+    <dgm:txPr/>
+    <dgm:style>
+      <a:lnRef idx="1">
+        <a:scrgbClr r="0" g="0" b="0"/>
+      </a:lnRef>
+      <a:fillRef idx="1">
+        <a:scrgbClr r="0" g="0" b="0"/>
+      </a:fillRef>
+      <a:effectRef idx="0">
+        <a:scrgbClr r="0" g="0" b="0"/>
+      </a:effectRef>
+      <a:fontRef idx="minor"/>
+    </dgm:style>
+  </dgm:styleLbl>
+  <dgm:styleLbl name="bgAcc1">
+    <dgm:scene3d>
+      <a:camera prst="orthographicFront"/>
+      <a:lightRig rig="threePt" dir="t"/>
+    </dgm:scene3d>
+    <dgm:sp3d/>
+    <dgm:txPr/>
+    <dgm:style>
+      <a:lnRef idx="2">
+        <a:scrgbClr r="0" g="0" b="0"/>
+      </a:lnRef>
+      <a:fillRef idx="1">
+        <a:scrgbClr r="0" g="0" b="0"/>
+      </a:fillRef>
+      <a:effectRef idx="0">
+        <a:scrgbClr r="0" g="0" b="0"/>
+      </a:effectRef>
+      <a:fontRef idx="minor"/>
+    </dgm:style>
+  </dgm:styleLbl>
+  <dgm:styleLbl name="solidFgAcc1">
+    <dgm:scene3d>
+      <a:camera prst="orthographicFront"/>
+      <a:lightRig rig="threePt" dir="t"/>
+    </dgm:scene3d>
+    <dgm:sp3d/>
+    <dgm:txPr/>
+    <dgm:style>
+      <a:lnRef idx="2">
+        <a:scrgbClr r="0" g="0" b="0"/>
+      </a:lnRef>
+      <a:fillRef idx="1">
+        <a:scrgbClr r="0" g="0" b="0"/>
+      </a:fillRef>
+      <a:effectRef idx="0">
+        <a:scrgbClr r="0" g="0" b="0"/>
+      </a:effectRef>
+      <a:fontRef idx="minor"/>
+    </dgm:style>
+  </dgm:styleLbl>
+  <dgm:styleLbl name="solidAlignAcc1">
+    <dgm:scene3d>
+      <a:camera prst="orthographicFront"/>
+      <a:lightRig rig="threePt" dir="t"/>
+    </dgm:scene3d>
+    <dgm:sp3d/>
+    <dgm:txPr/>
+    <dgm:style>
+      <a:lnRef idx="2">
+        <a:scrgbClr r="0" g="0" b="0"/>
+      </a:lnRef>
+      <a:fillRef idx="1">
+        <a:scrgbClr r="0" g="0" b="0"/>
+      </a:fillRef>
+      <a:effectRef idx="0">
+        <a:scrgbClr r="0" g="0" b="0"/>
+      </a:effectRef>
+      <a:fontRef idx="minor"/>
+    </dgm:style>
+  </dgm:styleLbl>
+  <dgm:styleLbl name="solidBgAcc1">
+    <dgm:scene3d>
+      <a:camera prst="orthographicFront"/>
+      <a:lightRig rig="threePt" dir="t"/>
+    </dgm:scene3d>
+    <dgm:sp3d/>
+    <dgm:txPr/>
+    <dgm:style>
+      <a:lnRef idx="2">
+        <a:scrgbClr r="0" g="0" b="0"/>
+      </a:lnRef>
+      <a:fillRef idx="1">
+        <a:scrgbClr r="0" g="0" b="0"/>
+      </a:fillRef>
+      <a:effectRef idx="0">
+        <a:scrgbClr r="0" g="0" b="0"/>
+      </a:effectRef>
+      <a:fontRef idx="minor"/>
+    </dgm:style>
+  </dgm:styleLbl>
+  <dgm:styleLbl name="fgAccFollowNode1">
+    <dgm:scene3d>
+      <a:camera prst="orthographicFront"/>
+      <a:lightRig rig="threePt" dir="t"/>
+    </dgm:scene3d>
+    <dgm:sp3d/>
+    <dgm:txPr/>
+    <dgm:style>
+      <a:lnRef idx="2">
+        <a:scrgbClr r="0" g="0" b="0"/>
+      </a:lnRef>
+      <a:fillRef idx="1">
+        <a:scrgbClr r="0" g="0" b="0"/>
+      </a:fillRef>
+      <a:effectRef idx="0">
+        <a:scrgbClr r="0" g="0" b="0"/>
+      </a:effectRef>
+      <a:fontRef idx="minor"/>
+    </dgm:style>
+  </dgm:styleLbl>
+  <dgm:styleLbl name="alignAccFollowNode1">
+    <dgm:scene3d>
+      <a:camera prst="orthographicFront"/>
+      <a:lightRig rig="threePt" dir="t"/>
+    </dgm:scene3d>
+    <dgm:sp3d/>
+    <dgm:txPr/>
+    <dgm:style>
+      <a:lnRef idx="2">
+        <a:scrgbClr r="0" g="0" b="0"/>
+      </a:lnRef>
+      <a:fillRef idx="1">
+        <a:scrgbClr r="0" g="0" b="0"/>
+      </a:fillRef>
+      <a:effectRef idx="0">
+        <a:scrgbClr r="0" g="0" b="0"/>
+      </a:effectRef>
+      <a:fontRef idx="minor"/>
+    </dgm:style>
+  </dgm:styleLbl>
+  <dgm:styleLbl name="bgAccFollowNode1">
+    <dgm:scene3d>
+      <a:camera prst="orthographicFront"/>
+      <a:lightRig rig="threePt" dir="t"/>
+    </dgm:scene3d>
+    <dgm:sp3d/>
+    <dgm:txPr/>
+    <dgm:style>
+      <a:lnRef idx="2">
+        <a:scrgbClr r="0" g="0" b="0"/>
+      </a:lnRef>
+      <a:fillRef idx="1">
+        <a:scrgbClr r="0" g="0" b="0"/>
+      </a:fillRef>
+      <a:effectRef idx="0">
+        <a:scrgbClr r="0" g="0" b="0"/>
+      </a:effectRef>
+      <a:fontRef idx="minor"/>
+    </dgm:style>
+  </dgm:styleLbl>
+  <dgm:styleLbl name="fgAcc0">
+    <dgm:scene3d>
+      <a:camera prst="orthographicFront"/>
+      <a:lightRig rig="threePt" dir="t"/>
+    </dgm:scene3d>
+    <dgm:sp3d/>
+    <dgm:txPr/>
+    <dgm:style>
+      <a:lnRef idx="2">
+        <a:scrgbClr r="0" g="0" b="0"/>
+      </a:lnRef>
+      <a:fillRef idx="1">
+        <a:scrgbClr r="0" g="0" b="0"/>
+      </a:fillRef>
+      <a:effectRef idx="0">
+        <a:scrgbClr r="0" g="0" b="0"/>
+      </a:effectRef>
+      <a:fontRef idx="minor"/>
+    </dgm:style>
+  </dgm:styleLbl>
+  <dgm:styleLbl name="fgAcc2">
+    <dgm:scene3d>
+      <a:camera prst="orthographicFront"/>
+      <a:lightRig rig="threePt" dir="t"/>
+    </dgm:scene3d>
+    <dgm:sp3d/>
+    <dgm:txPr/>
+    <dgm:style>
+      <a:lnRef idx="2">
+        <a:scrgbClr r="0" g="0" b="0"/>
+      </a:lnRef>
+      <a:fillRef idx="1">
+        <a:scrgbClr r="0" g="0" b="0"/>
+      </a:fillRef>
+      <a:effectRef idx="0">
+        <a:scrgbClr r="0" g="0" b="0"/>
+      </a:effectRef>
+      <a:fontRef idx="minor"/>
+    </dgm:style>
+  </dgm:styleLbl>
+  <dgm:styleLbl name="fgAcc3">
+    <dgm:scene3d>
+      <a:camera prst="orthographicFront"/>
+      <a:lightRig rig="threePt" dir="t"/>
+    </dgm:scene3d>
+    <dgm:sp3d/>
+    <dgm:txPr/>
+    <dgm:style>
+      <a:lnRef idx="2">
+        <a:scrgbClr r="0" g="0" b="0"/>
+      </a:lnRef>
+      <a:fillRef idx="1">
+        <a:scrgbClr r="0" g="0" b="0"/>
+      </a:fillRef>
+      <a:effectRef idx="0">
+        <a:scrgbClr r="0" g="0" b="0"/>
+      </a:effectRef>
+      <a:fontRef idx="minor"/>
+    </dgm:style>
+  </dgm:styleLbl>
+  <dgm:styleLbl name="fgAcc4">
+    <dgm:scene3d>
+      <a:camera prst="orthographicFront"/>
+      <a:lightRig rig="threePt" dir="t"/>
+    </dgm:scene3d>
+    <dgm:sp3d/>
+    <dgm:txPr/>
+    <dgm:style>
+      <a:lnRef idx="2">
+        <a:scrgbClr r="0" g="0" b="0"/>
+      </a:lnRef>
+      <a:fillRef idx="1">
+        <a:scrgbClr r="0" g="0" b="0"/>
+      </a:fillRef>
+      <a:effectRef idx="0">
+        <a:scrgbClr r="0" g="0" b="0"/>
+      </a:effectRef>
+      <a:fontRef idx="minor"/>
+    </dgm:style>
+  </dgm:styleLbl>
+  <dgm:styleLbl name="bgShp">
+    <dgm:scene3d>
+      <a:camera prst="orthographicFront"/>
+      <a:lightRig rig="threePt" dir="t"/>
+    </dgm:scene3d>
+    <dgm:sp3d/>
+    <dgm:txPr/>
+    <dgm:style>
+      <a:lnRef idx="0">
+        <a:scrgbClr r="0" g="0" b="0"/>
+      </a:lnRef>
+      <a:fillRef idx="1">
+        <a:scrgbClr r="0" g="0" b="0"/>
+      </a:fillRef>
+      <a:effectRef idx="0">
+        <a:scrgbClr r="0" g="0" b="0"/>
+      </a:effectRef>
+      <a:fontRef idx="minor"/>
+    </dgm:style>
+  </dgm:styleLbl>
+  <dgm:styleLbl name="dkBgShp">
+    <dgm:scene3d>
+      <a:camera prst="orthographicFront"/>
+      <a:lightRig rig="threePt" dir="t"/>
+    </dgm:scene3d>
+    <dgm:sp3d/>
+    <dgm:txPr/>
+    <dgm:style>
+      <a:lnRef idx="0">
+        <a:scrgbClr r="0" g="0" b="0"/>
+      </a:lnRef>
+      <a:fillRef idx="1">
+        <a:scrgbClr r="0" g="0" b="0"/>
+      </a:fillRef>
+      <a:effectRef idx="0">
+        <a:scrgbClr r="0" g="0" b="0"/>
+      </a:effectRef>
+      <a:fontRef idx="minor"/>
+    </dgm:style>
+  </dgm:styleLbl>
+  <dgm:styleLbl name="trBgShp">
+    <dgm:scene3d>
+      <a:camera prst="orthographicFront"/>
+      <a:lightRig rig="threePt" dir="t"/>
+    </dgm:scene3d>
+    <dgm:sp3d/>
+    <dgm:txPr/>
+    <dgm:style>
+      <a:lnRef idx="0">
+        <a:scrgbClr r="0" g="0" b="0"/>
+      </a:lnRef>
+      <a:fillRef idx="1">
+        <a:scrgbClr r="0" g="0" b="0"/>
+      </a:fillRef>
+      <a:effectRef idx="0">
+        <a:scrgbClr r="0" g="0" b="0"/>
+      </a:effectRef>
+      <a:fontRef idx="minor"/>
+    </dgm:style>
+  </dgm:styleLbl>
+  <dgm:styleLbl name="fgShp">
+    <dgm:scene3d>
+      <a:camera prst="orthographicFront"/>
+      <a:lightRig rig="threePt" dir="t"/>
+    </dgm:scene3d>
+    <dgm:sp3d/>
+    <dgm:txPr/>
+    <dgm:style>
+      <a:lnRef idx="2">
+        <a:scrgbClr r="0" g="0" b="0"/>
+      </a:lnRef>
+      <a:fillRef idx="1">
+        <a:scrgbClr r="0" g="0" b="0"/>
+      </a:fillRef>
+      <a:effectRef idx="0">
+        <a:scrgbClr r="0" g="0" b="0"/>
+      </a:effectRef>
+      <a:fontRef idx="minor"/>
+    </dgm:style>
+  </dgm:styleLbl>
+  <dgm:styleLbl name="revTx">
+    <dgm:scene3d>
+      <a:camera prst="orthographicFront"/>
+      <a:lightRig rig="threePt" dir="t"/>
+    </dgm:scene3d>
+    <dgm:sp3d/>
+    <dgm:txPr/>
+    <dgm:style>
+      <a:lnRef idx="0">
+        <a:scrgbClr r="0" g="0" b="0"/>
+      </a:lnRef>
+      <a:fillRef idx="0">
+        <a:scrgbClr r="0" g="0" b="0"/>
+      </a:fillRef>
+      <a:effectRef idx="0">
+        <a:scrgbClr r="0" g="0" b="0"/>
+      </a:effectRef>
+      <a:fontRef idx="minor"/>
+    </dgm:style>
+  </dgm:styleLbl>
+</dgm:styleDef>
+</file>
+
+<file path=ppt/diagrams/quickStyle4.xml><?xml version="1.0" encoding="utf-8"?>
 <dgm:styleDef xmlns:dgm="http://schemas.openxmlformats.org/drawingml/2006/diagram" xmlns:a="http://schemas.openxmlformats.org/drawingml/2006/main" uniqueId="urn:microsoft.com/office/officeart/2005/8/quickstyle/simple1">
   <dgm:title val=""/>
   <dgm:desc val=""/>
@@ -9992,7 +12950,7 @@
           <a:p>
             <a:fld id="{44DBC884-B382-4302-8488-D4E467EB670D}" type="datetimeFigureOut">
               <a:rPr lang="ru-RU" smtClean="0"/>
-              <a:t>25.05.2022</a:t>
+              <a:t>05.06.2022</a:t>
             </a:fld>
             <a:endParaRPr lang="ru-RU" dirty="0"/>
           </a:p>
@@ -10391,7 +13349,7 @@
           <a:p>
             <a:fld id="{9F4DF3D0-C105-404D-A43B-7CBA1B97B744}" type="datetimeFigureOut">
               <a:rPr lang="ru-RU" smtClean="0"/>
-              <a:t>25.05.2022</a:t>
+              <a:t>05.06.2022</a:t>
             </a:fld>
             <a:endParaRPr lang="ru-RU" dirty="0"/>
           </a:p>
@@ -10561,7 +13519,7 @@
           <a:p>
             <a:fld id="{9F4DF3D0-C105-404D-A43B-7CBA1B97B744}" type="datetimeFigureOut">
               <a:rPr lang="ru-RU" smtClean="0"/>
-              <a:t>25.05.2022</a:t>
+              <a:t>05.06.2022</a:t>
             </a:fld>
             <a:endParaRPr lang="ru-RU" dirty="0"/>
           </a:p>
@@ -10741,7 +13699,7 @@
           <a:p>
             <a:fld id="{9F4DF3D0-C105-404D-A43B-7CBA1B97B744}" type="datetimeFigureOut">
               <a:rPr lang="ru-RU" smtClean="0"/>
-              <a:t>25.05.2022</a:t>
+              <a:t>05.06.2022</a:t>
             </a:fld>
             <a:endParaRPr lang="ru-RU" dirty="0"/>
           </a:p>
@@ -10911,7 +13869,7 @@
           <a:p>
             <a:fld id="{9F4DF3D0-C105-404D-A43B-7CBA1B97B744}" type="datetimeFigureOut">
               <a:rPr lang="ru-RU" smtClean="0"/>
-              <a:t>25.05.2022</a:t>
+              <a:t>05.06.2022</a:t>
             </a:fld>
             <a:endParaRPr lang="ru-RU" dirty="0"/>
           </a:p>
@@ -11157,7 +14115,7 @@
           <a:p>
             <a:fld id="{9F4DF3D0-C105-404D-A43B-7CBA1B97B744}" type="datetimeFigureOut">
               <a:rPr lang="ru-RU" smtClean="0"/>
-              <a:t>25.05.2022</a:t>
+              <a:t>05.06.2022</a:t>
             </a:fld>
             <a:endParaRPr lang="ru-RU" dirty="0"/>
           </a:p>
@@ -11389,7 +14347,7 @@
           <a:p>
             <a:fld id="{9F4DF3D0-C105-404D-A43B-7CBA1B97B744}" type="datetimeFigureOut">
               <a:rPr lang="ru-RU" smtClean="0"/>
-              <a:t>25.05.2022</a:t>
+              <a:t>05.06.2022</a:t>
             </a:fld>
             <a:endParaRPr lang="ru-RU" dirty="0"/>
           </a:p>
@@ -11756,7 +14714,7 @@
           <a:p>
             <a:fld id="{9F4DF3D0-C105-404D-A43B-7CBA1B97B744}" type="datetimeFigureOut">
               <a:rPr lang="ru-RU" smtClean="0"/>
-              <a:t>25.05.2022</a:t>
+              <a:t>05.06.2022</a:t>
             </a:fld>
             <a:endParaRPr lang="ru-RU" dirty="0"/>
           </a:p>
@@ -11874,7 +14832,7 @@
           <a:p>
             <a:fld id="{9F4DF3D0-C105-404D-A43B-7CBA1B97B744}" type="datetimeFigureOut">
               <a:rPr lang="ru-RU" smtClean="0"/>
-              <a:t>25.05.2022</a:t>
+              <a:t>05.06.2022</a:t>
             </a:fld>
             <a:endParaRPr lang="ru-RU" dirty="0"/>
           </a:p>
@@ -11969,7 +14927,7 @@
           <a:p>
             <a:fld id="{9F4DF3D0-C105-404D-A43B-7CBA1B97B744}" type="datetimeFigureOut">
               <a:rPr lang="ru-RU" smtClean="0"/>
-              <a:t>25.05.2022</a:t>
+              <a:t>05.06.2022</a:t>
             </a:fld>
             <a:endParaRPr lang="ru-RU" dirty="0"/>
           </a:p>
@@ -12246,7 +15204,7 @@
           <a:p>
             <a:fld id="{9F4DF3D0-C105-404D-A43B-7CBA1B97B744}" type="datetimeFigureOut">
               <a:rPr lang="ru-RU" smtClean="0"/>
-              <a:t>25.05.2022</a:t>
+              <a:t>05.06.2022</a:t>
             </a:fld>
             <a:endParaRPr lang="ru-RU" dirty="0"/>
           </a:p>
@@ -12499,7 +15457,7 @@
           <a:p>
             <a:fld id="{9F4DF3D0-C105-404D-A43B-7CBA1B97B744}" type="datetimeFigureOut">
               <a:rPr lang="ru-RU" smtClean="0"/>
-              <a:t>25.05.2022</a:t>
+              <a:t>05.06.2022</a:t>
             </a:fld>
             <a:endParaRPr lang="ru-RU" dirty="0"/>
           </a:p>
@@ -12712,7 +15670,7 @@
           <a:p>
             <a:fld id="{9F4DF3D0-C105-404D-A43B-7CBA1B97B744}" type="datetimeFigureOut">
               <a:rPr lang="ru-RU" smtClean="0"/>
-              <a:t>25.05.2022</a:t>
+              <a:t>05.06.2022</a:t>
             </a:fld>
             <a:endParaRPr lang="ru-RU" dirty="0"/>
           </a:p>
@@ -13179,7 +16137,32 @@
               <a:rPr lang="ru-RU" altLang="ru-RU" sz="4000" dirty="0" smtClean="0">
                 <a:latin typeface="Calibri" panose="020F0502020204030204" pitchFamily="34" charset="0"/>
               </a:rPr>
-              <a:t>Лаборатория интеллектуальных систем управления - проекты</a:t>
+              <a:t>Лаборатория интеллектуальных систем </a:t>
+            </a:r>
+            <a:r>
+              <a:rPr lang="ru-RU" altLang="ru-RU" sz="4000" smtClean="0">
+                <a:latin typeface="Calibri" panose="020F0502020204030204" pitchFamily="34" charset="0"/>
+              </a:rPr>
+              <a:t>управления </a:t>
+            </a:r>
+            <a:r>
+              <a:rPr lang="ru-RU" altLang="ru-RU" sz="4000" smtClean="0">
+                <a:latin typeface="Calibri" panose="020F0502020204030204" pitchFamily="34" charset="0"/>
+                <a:sym typeface="Symbol" panose="05050102010706020507" pitchFamily="18" charset="2"/>
+              </a:rPr>
+              <a:t></a:t>
+            </a:r>
+            <a:r>
+              <a:rPr lang="ru-RU" altLang="ru-RU" sz="4000" smtClean="0">
+                <a:latin typeface="Calibri" panose="020F0502020204030204" pitchFamily="34" charset="0"/>
+              </a:rPr>
+              <a:t> </a:t>
+            </a:r>
+            <a:r>
+              <a:rPr lang="ru-RU" altLang="ru-RU" sz="4000" dirty="0" smtClean="0">
+                <a:latin typeface="Calibri" panose="020F0502020204030204" pitchFamily="34" charset="0"/>
+              </a:rPr>
+              <a:t>проекты</a:t>
             </a:r>
             <a:endParaRPr lang="en-US" altLang="ru-RU" sz="4000" dirty="0" smtClean="0">
               <a:latin typeface="Calibri" panose="020F0502020204030204" pitchFamily="34" charset="0"/>
@@ -14532,8 +17515,13 @@
           <a:p>
             <a:r>
               <a:rPr lang="ru-RU" sz="3600" dirty="0"/>
-              <a:t>Построение базы знаний</a:t>
+              <a:t>Построение базы </a:t>
             </a:r>
+            <a:r>
+              <a:rPr lang="ru-RU" sz="3600" dirty="0" smtClean="0"/>
+              <a:t>знаний – первый этап</a:t>
+            </a:r>
+            <a:endParaRPr lang="ru-RU" sz="3600" dirty="0"/>
           </a:p>
         </p:txBody>
       </p:sp>
@@ -14547,7 +17535,7 @@
             <p:ph idx="1"/>
             <p:extLst>
               <p:ext uri="{D42A27DB-BD31-4B8C-83A1-F6EECF244321}">
-                <p14:modId xmlns:p14="http://schemas.microsoft.com/office/powerpoint/2010/main" val="2525364289"/>
+                <p14:modId xmlns:p14="http://schemas.microsoft.com/office/powerpoint/2010/main" val="2753778383"/>
               </p:ext>
             </p:extLst>
           </p:nvPr>
@@ -14583,6 +17571,97 @@
 </file>
 
 <file path=ppt/slides/slide15.xml><?xml version="1.0" encoding="utf-8"?>
+<p:sld xmlns:a="http://schemas.openxmlformats.org/drawingml/2006/main" xmlns:r="http://schemas.openxmlformats.org/officeDocument/2006/relationships" xmlns:p="http://schemas.openxmlformats.org/presentationml/2006/main">
+  <p:cSld>
+    <p:spTree>
+      <p:nvGrpSpPr>
+        <p:cNvPr id="1" name=""/>
+        <p:cNvGrpSpPr/>
+        <p:nvPr/>
+      </p:nvGrpSpPr>
+      <p:grpSpPr>
+        <a:xfrm>
+          <a:off x="0" y="0"/>
+          <a:ext cx="0" cy="0"/>
+          <a:chOff x="0" y="0"/>
+          <a:chExt cx="0" cy="0"/>
+        </a:xfrm>
+      </p:grpSpPr>
+      <p:sp>
+        <p:nvSpPr>
+          <p:cNvPr id="2" name="Заголовок 1"/>
+          <p:cNvSpPr>
+            <a:spLocks noGrp="1"/>
+          </p:cNvSpPr>
+          <p:nvPr>
+            <p:ph type="title"/>
+          </p:nvPr>
+        </p:nvSpPr>
+        <p:spPr/>
+        <p:txBody>
+          <a:bodyPr>
+            <a:normAutofit/>
+          </a:bodyPr>
+          <a:lstStyle/>
+          <a:p>
+            <a:r>
+              <a:rPr lang="ru-RU" sz="3600" dirty="0"/>
+              <a:t>Индивидуальные траектории </a:t>
+            </a:r>
+            <a:r>
+              <a:rPr lang="ru-RU" sz="3600" dirty="0" smtClean="0"/>
+              <a:t>студентов</a:t>
+            </a:r>
+            <a:endParaRPr lang="ru-RU" sz="3600" dirty="0"/>
+          </a:p>
+        </p:txBody>
+      </p:sp>
+      <p:graphicFrame>
+        <p:nvGraphicFramePr>
+          <p:cNvPr id="13" name="Объект 3"/>
+          <p:cNvGraphicFramePr>
+            <a:graphicFrameLocks noGrp="1"/>
+          </p:cNvGraphicFramePr>
+          <p:nvPr>
+            <p:ph idx="1"/>
+            <p:extLst>
+              <p:ext uri="{D42A27DB-BD31-4B8C-83A1-F6EECF244321}">
+                <p14:modId xmlns:p14="http://schemas.microsoft.com/office/powerpoint/2010/main" val="509752693"/>
+              </p:ext>
+            </p:extLst>
+          </p:nvPr>
+        </p:nvGraphicFramePr>
+        <p:xfrm>
+          <a:off x="838200" y="1825625"/>
+          <a:ext cx="10515600" cy="4351338"/>
+        </p:xfrm>
+        <a:graphic>
+          <a:graphicData uri="http://schemas.openxmlformats.org/drawingml/2006/diagram">
+            <dgm:relIds xmlns:dgm="http://schemas.openxmlformats.org/drawingml/2006/diagram" xmlns:r="http://schemas.openxmlformats.org/officeDocument/2006/relationships" r:dm="rId2" r:lo="rId3" r:qs="rId4" r:cs="rId5"/>
+          </a:graphicData>
+        </a:graphic>
+      </p:graphicFrame>
+    </p:spTree>
+    <p:extLst>
+      <p:ext uri="{BB962C8B-B14F-4D97-AF65-F5344CB8AC3E}">
+        <p14:creationId xmlns:p14="http://schemas.microsoft.com/office/powerpoint/2010/main" val="215104786"/>
+      </p:ext>
+    </p:extLst>
+  </p:cSld>
+  <p:clrMapOvr>
+    <a:masterClrMapping/>
+  </p:clrMapOvr>
+  <p:timing>
+    <p:tnLst>
+      <p:par>
+        <p:cTn id="1" dur="indefinite" restart="never" nodeType="tmRoot"/>
+      </p:par>
+    </p:tnLst>
+  </p:timing>
+</p:sld>
+</file>
+
+<file path=ppt/slides/slide16.xml><?xml version="1.0" encoding="utf-8"?>
 <p:sld xmlns:a="http://schemas.openxmlformats.org/drawingml/2006/main" xmlns:r="http://schemas.openxmlformats.org/officeDocument/2006/relationships" xmlns:p="http://schemas.openxmlformats.org/presentationml/2006/main">
   <p:cSld>
     <p:spTree>
@@ -14667,7 +17746,7 @@
 </p:sld>
 </file>
 
-<file path=ppt/slides/slide16.xml><?xml version="1.0" encoding="utf-8"?>
+<file path=ppt/slides/slide17.xml><?xml version="1.0" encoding="utf-8"?>
 <p:sld xmlns:a="http://schemas.openxmlformats.org/drawingml/2006/main" xmlns:r="http://schemas.openxmlformats.org/officeDocument/2006/relationships" xmlns:p="http://schemas.openxmlformats.org/presentationml/2006/main">
   <p:cSld>
     <p:spTree>
@@ -15136,7 +18215,7 @@
 </p:sld>
 </file>
 
-<file path=ppt/slides/slide17.xml><?xml version="1.0" encoding="utf-8"?>
+<file path=ppt/slides/slide18.xml><?xml version="1.0" encoding="utf-8"?>
 <p:sld xmlns:a="http://schemas.openxmlformats.org/drawingml/2006/main" xmlns:r="http://schemas.openxmlformats.org/officeDocument/2006/relationships" xmlns:p="http://schemas.openxmlformats.org/presentationml/2006/main">
   <p:cSld>
     <p:spTree>
@@ -15227,7 +18306,7 @@
 </p:sld>
 </file>
 
-<file path=ppt/slides/slide18.xml><?xml version="1.0" encoding="utf-8"?>
+<file path=ppt/slides/slide19.xml><?xml version="1.0" encoding="utf-8"?>
 <p:sld xmlns:a="http://schemas.openxmlformats.org/drawingml/2006/main" xmlns:r="http://schemas.openxmlformats.org/officeDocument/2006/relationships" xmlns:p="http://schemas.openxmlformats.org/presentationml/2006/main">
   <p:cSld>
     <p:spTree>
@@ -15296,114 +18375,6 @@
     <p:extLst>
       <p:ext uri="{BB962C8B-B14F-4D97-AF65-F5344CB8AC3E}">
         <p14:creationId xmlns:p14="http://schemas.microsoft.com/office/powerpoint/2010/main" val="4267315640"/>
-      </p:ext>
-    </p:extLst>
-  </p:cSld>
-  <p:clrMapOvr>
-    <a:masterClrMapping/>
-  </p:clrMapOvr>
-  <p:timing>
-    <p:tnLst>
-      <p:par>
-        <p:cTn id="1" dur="indefinite" restart="never" nodeType="tmRoot"/>
-      </p:par>
-    </p:tnLst>
-  </p:timing>
-</p:sld>
-</file>
-
-<file path=ppt/slides/slide19.xml><?xml version="1.0" encoding="utf-8"?>
-<p:sld xmlns:a="http://schemas.openxmlformats.org/drawingml/2006/main" xmlns:r="http://schemas.openxmlformats.org/officeDocument/2006/relationships" xmlns:p="http://schemas.openxmlformats.org/presentationml/2006/main">
-  <p:cSld>
-    <p:spTree>
-      <p:nvGrpSpPr>
-        <p:cNvPr id="1" name=""/>
-        <p:cNvGrpSpPr/>
-        <p:nvPr/>
-      </p:nvGrpSpPr>
-      <p:grpSpPr>
-        <a:xfrm>
-          <a:off x="0" y="0"/>
-          <a:ext cx="0" cy="0"/>
-          <a:chOff x="0" y="0"/>
-          <a:chExt cx="0" cy="0"/>
-        </a:xfrm>
-      </p:grpSpPr>
-      <p:sp>
-        <p:nvSpPr>
-          <p:cNvPr id="2" name="Заголовок 1"/>
-          <p:cNvSpPr>
-            <a:spLocks noGrp="1"/>
-          </p:cNvSpPr>
-          <p:nvPr>
-            <p:ph type="title"/>
-          </p:nvPr>
-        </p:nvSpPr>
-        <p:spPr/>
-        <p:txBody>
-          <a:bodyPr>
-            <a:normAutofit/>
-          </a:bodyPr>
-          <a:lstStyle/>
-          <a:p>
-            <a:r>
-              <a:rPr lang="ru-RU" sz="3600" dirty="0"/>
-              <a:t>Индивидуальные траектории студентов</a:t>
-            </a:r>
-          </a:p>
-        </p:txBody>
-      </p:sp>
-      <p:pic>
-        <p:nvPicPr>
-          <p:cNvPr id="4" name="Рисунок 3"/>
-          <p:cNvPicPr>
-            <a:picLocks noChangeAspect="1"/>
-          </p:cNvPicPr>
-          <p:nvPr/>
-        </p:nvPicPr>
-        <p:blipFill>
-          <a:blip r:embed="rId2"/>
-          <a:stretch>
-            <a:fillRect/>
-          </a:stretch>
-        </p:blipFill>
-        <p:spPr>
-          <a:xfrm>
-            <a:off x="214311" y="1690688"/>
-            <a:ext cx="5995386" cy="3809998"/>
-          </a:xfrm>
-          <a:prstGeom prst="rect">
-            <a:avLst/>
-          </a:prstGeom>
-        </p:spPr>
-      </p:pic>
-      <p:pic>
-        <p:nvPicPr>
-          <p:cNvPr id="6" name="Рисунок 5"/>
-          <p:cNvPicPr>
-            <a:picLocks noChangeAspect="1"/>
-          </p:cNvPicPr>
-          <p:nvPr/>
-        </p:nvPicPr>
-        <p:blipFill rotWithShape="1">
-          <a:blip r:embed="rId3"/>
-          <a:srcRect t="-1" r="3779" b="-519"/>
-          <a:stretch/>
-        </p:blipFill>
-        <p:spPr>
-          <a:xfrm>
-            <a:off x="6209697" y="1690688"/>
-            <a:ext cx="5799695" cy="3647962"/>
-          </a:xfrm>
-          <a:prstGeom prst="rect">
-            <a:avLst/>
-          </a:prstGeom>
-        </p:spPr>
-      </p:pic>
-    </p:spTree>
-    <p:extLst>
-      <p:ext uri="{BB962C8B-B14F-4D97-AF65-F5344CB8AC3E}">
-        <p14:creationId xmlns:p14="http://schemas.microsoft.com/office/powerpoint/2010/main" val="3950048452"/>
       </p:ext>
     </p:extLst>
   </p:cSld>
@@ -15768,6 +18739,114 @@
           </a:p>
         </p:txBody>
       </p:sp>
+      <p:pic>
+        <p:nvPicPr>
+          <p:cNvPr id="4" name="Рисунок 3"/>
+          <p:cNvPicPr>
+            <a:picLocks noChangeAspect="1"/>
+          </p:cNvPicPr>
+          <p:nvPr/>
+        </p:nvPicPr>
+        <p:blipFill>
+          <a:blip r:embed="rId2"/>
+          <a:stretch>
+            <a:fillRect/>
+          </a:stretch>
+        </p:blipFill>
+        <p:spPr>
+          <a:xfrm>
+            <a:off x="214311" y="1690688"/>
+            <a:ext cx="5995386" cy="3809998"/>
+          </a:xfrm>
+          <a:prstGeom prst="rect">
+            <a:avLst/>
+          </a:prstGeom>
+        </p:spPr>
+      </p:pic>
+      <p:pic>
+        <p:nvPicPr>
+          <p:cNvPr id="6" name="Рисунок 5"/>
+          <p:cNvPicPr>
+            <a:picLocks noChangeAspect="1"/>
+          </p:cNvPicPr>
+          <p:nvPr/>
+        </p:nvPicPr>
+        <p:blipFill rotWithShape="1">
+          <a:blip r:embed="rId3"/>
+          <a:srcRect t="-1" r="3779" b="-519"/>
+          <a:stretch/>
+        </p:blipFill>
+        <p:spPr>
+          <a:xfrm>
+            <a:off x="6209697" y="1690688"/>
+            <a:ext cx="5799695" cy="3647962"/>
+          </a:xfrm>
+          <a:prstGeom prst="rect">
+            <a:avLst/>
+          </a:prstGeom>
+        </p:spPr>
+      </p:pic>
+    </p:spTree>
+    <p:extLst>
+      <p:ext uri="{BB962C8B-B14F-4D97-AF65-F5344CB8AC3E}">
+        <p14:creationId xmlns:p14="http://schemas.microsoft.com/office/powerpoint/2010/main" val="3950048452"/>
+      </p:ext>
+    </p:extLst>
+  </p:cSld>
+  <p:clrMapOvr>
+    <a:masterClrMapping/>
+  </p:clrMapOvr>
+  <p:timing>
+    <p:tnLst>
+      <p:par>
+        <p:cTn id="1" dur="indefinite" restart="never" nodeType="tmRoot"/>
+      </p:par>
+    </p:tnLst>
+  </p:timing>
+</p:sld>
+</file>
+
+<file path=ppt/slides/slide21.xml><?xml version="1.0" encoding="utf-8"?>
+<p:sld xmlns:a="http://schemas.openxmlformats.org/drawingml/2006/main" xmlns:r="http://schemas.openxmlformats.org/officeDocument/2006/relationships" xmlns:p="http://schemas.openxmlformats.org/presentationml/2006/main">
+  <p:cSld>
+    <p:spTree>
+      <p:nvGrpSpPr>
+        <p:cNvPr id="1" name=""/>
+        <p:cNvGrpSpPr/>
+        <p:nvPr/>
+      </p:nvGrpSpPr>
+      <p:grpSpPr>
+        <a:xfrm>
+          <a:off x="0" y="0"/>
+          <a:ext cx="0" cy="0"/>
+          <a:chOff x="0" y="0"/>
+          <a:chExt cx="0" cy="0"/>
+        </a:xfrm>
+      </p:grpSpPr>
+      <p:sp>
+        <p:nvSpPr>
+          <p:cNvPr id="2" name="Заголовок 1"/>
+          <p:cNvSpPr>
+            <a:spLocks noGrp="1"/>
+          </p:cNvSpPr>
+          <p:nvPr>
+            <p:ph type="title"/>
+          </p:nvPr>
+        </p:nvSpPr>
+        <p:spPr/>
+        <p:txBody>
+          <a:bodyPr>
+            <a:normAutofit/>
+          </a:bodyPr>
+          <a:lstStyle/>
+          <a:p>
+            <a:r>
+              <a:rPr lang="ru-RU" sz="3600" dirty="0"/>
+              <a:t>Индивидуальные траектории студентов</a:t>
+            </a:r>
+          </a:p>
+        </p:txBody>
+      </p:sp>
       <p:sp>
         <p:nvSpPr>
           <p:cNvPr id="3" name="Объект 2"/>
@@ -15880,7 +18959,7 @@
 </p:sld>
 </file>
 
-<file path=ppt/slides/slide21.xml><?xml version="1.0" encoding="utf-8"?>
+<file path=ppt/slides/slide22.xml><?xml version="1.0" encoding="utf-8"?>
 <p:sld xmlns:a="http://schemas.openxmlformats.org/drawingml/2006/main" xmlns:r="http://schemas.openxmlformats.org/officeDocument/2006/relationships" xmlns:p="http://schemas.openxmlformats.org/presentationml/2006/main">
   <p:cSld>
     <p:spTree>
@@ -15971,7 +19050,7 @@
 </p:sld>
 </file>
 
-<file path=ppt/slides/slide22.xml><?xml version="1.0" encoding="utf-8"?>
+<file path=ppt/slides/slide23.xml><?xml version="1.0" encoding="utf-8"?>
 <p:sld xmlns:a="http://schemas.openxmlformats.org/drawingml/2006/main" xmlns:r="http://schemas.openxmlformats.org/officeDocument/2006/relationships" xmlns:p="http://schemas.openxmlformats.org/presentationml/2006/main">
   <p:cSld>
     <p:spTree>
@@ -16062,7 +19141,7 @@
 </p:sld>
 </file>
 
-<file path=ppt/slides/slide23.xml><?xml version="1.0" encoding="utf-8"?>
+<file path=ppt/slides/slide24.xml><?xml version="1.0" encoding="utf-8"?>
 <p:sld xmlns:a="http://schemas.openxmlformats.org/drawingml/2006/main" xmlns:r="http://schemas.openxmlformats.org/officeDocument/2006/relationships" xmlns:p="http://schemas.openxmlformats.org/presentationml/2006/main">
   <p:cSld>
     <p:spTree>
@@ -16153,7 +19232,7 @@
 </p:sld>
 </file>
 
-<file path=ppt/slides/slide24.xml><?xml version="1.0" encoding="utf-8"?>
+<file path=ppt/slides/slide25.xml><?xml version="1.0" encoding="utf-8"?>
 <p:sld xmlns:a="http://schemas.openxmlformats.org/drawingml/2006/main" xmlns:r="http://schemas.openxmlformats.org/officeDocument/2006/relationships" xmlns:p="http://schemas.openxmlformats.org/presentationml/2006/main">
   <p:cSld>
     <p:spTree>
@@ -16298,7 +19377,7 @@
 </p:sld>
 </file>
 
-<file path=ppt/slides/slide25.xml><?xml version="1.0" encoding="utf-8"?>
+<file path=ppt/slides/slide26.xml><?xml version="1.0" encoding="utf-8"?>
 <p:sld xmlns:a="http://schemas.openxmlformats.org/drawingml/2006/main" xmlns:r="http://schemas.openxmlformats.org/officeDocument/2006/relationships" xmlns:p="http://schemas.openxmlformats.org/presentationml/2006/main">
   <p:cSld>
     <p:spTree>
@@ -16385,7 +19464,7 @@
 </p:sld>
 </file>
 
-<file path=ppt/slides/slide26.xml><?xml version="1.0" encoding="utf-8"?>
+<file path=ppt/slides/slide27.xml><?xml version="1.0" encoding="utf-8"?>
 <p:sld xmlns:a="http://schemas.openxmlformats.org/drawingml/2006/main" xmlns:r="http://schemas.openxmlformats.org/officeDocument/2006/relationships" xmlns:p="http://schemas.openxmlformats.org/presentationml/2006/main">
   <p:cSld>
     <p:spTree>
@@ -16471,7 +19550,7 @@
 </p:sld>
 </file>
 
-<file path=ppt/slides/slide27.xml><?xml version="1.0" encoding="utf-8"?>
+<file path=ppt/slides/slide28.xml><?xml version="1.0" encoding="utf-8"?>
 <p:sld xmlns:a="http://schemas.openxmlformats.org/drawingml/2006/main" xmlns:r="http://schemas.openxmlformats.org/officeDocument/2006/relationships" xmlns:p="http://schemas.openxmlformats.org/presentationml/2006/main">
   <p:cSld>
     <p:spTree>
@@ -16557,7 +19636,7 @@
 </p:sld>
 </file>
 
-<file path=ppt/slides/slide28.xml><?xml version="1.0" encoding="utf-8"?>
+<file path=ppt/slides/slide29.xml><?xml version="1.0" encoding="utf-8"?>
 <p:sld xmlns:a="http://schemas.openxmlformats.org/drawingml/2006/main" xmlns:r="http://schemas.openxmlformats.org/officeDocument/2006/relationships" xmlns:p="http://schemas.openxmlformats.org/presentationml/2006/main">
   <p:cSld>
     <p:spTree>
